--- a/docs/微服务网关_设计方案_V1.0.pptx
+++ b/docs/微服务网关_设计方案_V1.0.pptx
@@ -113,6 +113,11 @@
       </a:defRPr>
     </a:lvl9pPr>
   </p:defaultTextStyle>
+  <p:extLst>
+    <p:ext uri="{EFAFB233-063F-42B5-8137-9DF3F51BA10A}">
+      <p15:sldGuideLst xmlns:p15="http://schemas.microsoft.com/office/powerpoint/2012/main"/>
+    </p:ext>
+  </p:extLst>
 </p:presentation>
 </file>
 
@@ -3347,20 +3352,480 @@
 </file>
 
 <file path=ppt/diagrams/colors5.xml><?xml version="1.0" encoding="utf-8"?>
-<dgm:colorsDef xmlns:dgm="http://schemas.openxmlformats.org/drawingml/2006/diagram" xmlns:a="http://schemas.openxmlformats.org/drawingml/2006/main" uniqueId="urn:microsoft.com/office/officeart/2005/8/colors/accent2_1">
+<dgm:colorsDef xmlns:dgm="http://schemas.openxmlformats.org/drawingml/2006/diagram" xmlns:a="http://schemas.openxmlformats.org/drawingml/2006/main" uniqueId="urn:microsoft.com/office/officeart/2005/8/colors/colorful1">
   <dgm:title val=""/>
   <dgm:desc val=""/>
   <dgm:catLst>
-    <dgm:cat type="accent2" pri="11100"/>
+    <dgm:cat type="colorful" pri="10100"/>
   </dgm:catLst>
   <dgm:styleLbl name="node0">
     <dgm:fillClrLst meth="repeat">
+      <a:schemeClr val="accent1"/>
+    </dgm:fillClrLst>
+    <dgm:linClrLst meth="repeat">
       <a:schemeClr val="lt1"/>
+    </dgm:linClrLst>
+    <dgm:effectClrLst/>
+    <dgm:txLinClrLst/>
+    <dgm:txFillClrLst/>
+    <dgm:txEffectClrLst/>
+  </dgm:styleLbl>
+  <dgm:styleLbl name="node1">
+    <dgm:fillClrLst meth="repeat">
+      <a:schemeClr val="accent2"/>
+      <a:schemeClr val="accent3"/>
+      <a:schemeClr val="accent4"/>
+      <a:schemeClr val="accent5"/>
+      <a:schemeClr val="accent6"/>
+    </dgm:fillClrLst>
+    <dgm:linClrLst meth="repeat">
+      <a:schemeClr val="lt1"/>
+    </dgm:linClrLst>
+    <dgm:effectClrLst/>
+    <dgm:txLinClrLst/>
+    <dgm:txFillClrLst/>
+    <dgm:txEffectClrLst/>
+  </dgm:styleLbl>
+  <dgm:styleLbl name="alignNode1">
+    <dgm:fillClrLst meth="repeat">
+      <a:schemeClr val="accent2"/>
+      <a:schemeClr val="accent3"/>
+      <a:schemeClr val="accent4"/>
+      <a:schemeClr val="accent5"/>
+      <a:schemeClr val="accent6"/>
+    </dgm:fillClrLst>
+    <dgm:linClrLst meth="repeat">
+      <a:schemeClr val="accent2"/>
+      <a:schemeClr val="accent3"/>
+      <a:schemeClr val="accent4"/>
+      <a:schemeClr val="accent5"/>
+      <a:schemeClr val="accent6"/>
+    </dgm:linClrLst>
+    <dgm:effectClrLst/>
+    <dgm:txLinClrLst/>
+    <dgm:txFillClrLst/>
+    <dgm:txEffectClrLst/>
+  </dgm:styleLbl>
+  <dgm:styleLbl name="lnNode1">
+    <dgm:fillClrLst meth="repeat">
+      <a:schemeClr val="accent2"/>
+      <a:schemeClr val="accent3"/>
+      <a:schemeClr val="accent4"/>
+      <a:schemeClr val="accent5"/>
+      <a:schemeClr val="accent6"/>
+    </dgm:fillClrLst>
+    <dgm:linClrLst meth="repeat">
+      <a:schemeClr val="lt1"/>
+    </dgm:linClrLst>
+    <dgm:effectClrLst/>
+    <dgm:txLinClrLst/>
+    <dgm:txFillClrLst/>
+    <dgm:txEffectClrLst/>
+  </dgm:styleLbl>
+  <dgm:styleLbl name="vennNode1">
+    <dgm:fillClrLst meth="repeat">
+      <a:schemeClr val="accent2">
+        <a:alpha val="50000"/>
+      </a:schemeClr>
+      <a:schemeClr val="accent3">
+        <a:alpha val="50000"/>
+      </a:schemeClr>
+      <a:schemeClr val="accent4">
+        <a:alpha val="50000"/>
+      </a:schemeClr>
+      <a:schemeClr val="accent5">
+        <a:alpha val="50000"/>
+      </a:schemeClr>
+      <a:schemeClr val="accent6">
+        <a:alpha val="50000"/>
+      </a:schemeClr>
+    </dgm:fillClrLst>
+    <dgm:linClrLst meth="repeat">
+      <a:schemeClr val="lt1"/>
+    </dgm:linClrLst>
+    <dgm:effectClrLst/>
+    <dgm:txLinClrLst/>
+    <dgm:txFillClrLst/>
+    <dgm:txEffectClrLst/>
+  </dgm:styleLbl>
+  <dgm:styleLbl name="node2">
+    <dgm:fillClrLst>
+      <a:schemeClr val="accent2"/>
+    </dgm:fillClrLst>
+    <dgm:linClrLst meth="repeat">
+      <a:schemeClr val="lt1"/>
+    </dgm:linClrLst>
+    <dgm:effectClrLst/>
+    <dgm:txLinClrLst/>
+    <dgm:txFillClrLst/>
+    <dgm:txEffectClrLst/>
+  </dgm:styleLbl>
+  <dgm:styleLbl name="node3">
+    <dgm:fillClrLst>
+      <a:schemeClr val="accent3"/>
+    </dgm:fillClrLst>
+    <dgm:linClrLst meth="repeat">
+      <a:schemeClr val="lt1"/>
+    </dgm:linClrLst>
+    <dgm:effectClrLst/>
+    <dgm:txLinClrLst/>
+    <dgm:txFillClrLst/>
+    <dgm:txEffectClrLst/>
+  </dgm:styleLbl>
+  <dgm:styleLbl name="node4">
+    <dgm:fillClrLst>
+      <a:schemeClr val="accent4"/>
+    </dgm:fillClrLst>
+    <dgm:linClrLst meth="repeat">
+      <a:schemeClr val="lt1"/>
+    </dgm:linClrLst>
+    <dgm:effectClrLst/>
+    <dgm:txLinClrLst/>
+    <dgm:txFillClrLst/>
+    <dgm:txEffectClrLst/>
+  </dgm:styleLbl>
+  <dgm:styleLbl name="fgImgPlace1">
+    <dgm:fillClrLst meth="repeat">
+      <a:schemeClr val="accent2">
+        <a:tint val="50000"/>
+      </a:schemeClr>
+      <a:schemeClr val="accent3">
+        <a:tint val="50000"/>
+      </a:schemeClr>
+      <a:schemeClr val="accent4">
+        <a:tint val="50000"/>
+      </a:schemeClr>
+      <a:schemeClr val="accent5">
+        <a:tint val="50000"/>
+      </a:schemeClr>
+      <a:schemeClr val="accent6">
+        <a:tint val="50000"/>
+      </a:schemeClr>
+    </dgm:fillClrLst>
+    <dgm:linClrLst meth="repeat">
+      <a:schemeClr val="lt1"/>
+    </dgm:linClrLst>
+    <dgm:effectClrLst/>
+    <dgm:txLinClrLst/>
+    <dgm:txFillClrLst meth="repeat">
+      <a:schemeClr val="lt1"/>
+    </dgm:txFillClrLst>
+    <dgm:txEffectClrLst/>
+  </dgm:styleLbl>
+  <dgm:styleLbl name="alignImgPlace1">
+    <dgm:fillClrLst>
+      <a:schemeClr val="accent1">
+        <a:tint val="50000"/>
+      </a:schemeClr>
+      <a:schemeClr val="accent2">
+        <a:tint val="20000"/>
+      </a:schemeClr>
+    </dgm:fillClrLst>
+    <dgm:linClrLst meth="repeat">
+      <a:schemeClr val="lt1"/>
+    </dgm:linClrLst>
+    <dgm:effectClrLst/>
+    <dgm:txLinClrLst/>
+    <dgm:txFillClrLst meth="repeat">
+      <a:schemeClr val="lt1"/>
+    </dgm:txFillClrLst>
+    <dgm:txEffectClrLst/>
+  </dgm:styleLbl>
+  <dgm:styleLbl name="bgImgPlace1">
+    <dgm:fillClrLst>
+      <a:schemeClr val="accent1">
+        <a:tint val="50000"/>
+      </a:schemeClr>
+      <a:schemeClr val="accent2">
+        <a:tint val="20000"/>
+      </a:schemeClr>
+    </dgm:fillClrLst>
+    <dgm:linClrLst meth="repeat">
+      <a:schemeClr val="lt1"/>
+    </dgm:linClrLst>
+    <dgm:effectClrLst/>
+    <dgm:txLinClrLst/>
+    <dgm:txFillClrLst meth="repeat">
+      <a:schemeClr val="lt1"/>
+    </dgm:txFillClrLst>
+    <dgm:txEffectClrLst/>
+  </dgm:styleLbl>
+  <dgm:styleLbl name="sibTrans2D1">
+    <dgm:fillClrLst meth="repeat">
+      <a:schemeClr val="accent2"/>
+      <a:schemeClr val="accent3"/>
+      <a:schemeClr val="accent4"/>
+      <a:schemeClr val="accent5"/>
+      <a:schemeClr val="accent6"/>
+    </dgm:fillClrLst>
+    <dgm:linClrLst meth="cycle">
+      <a:schemeClr val="lt1"/>
+    </dgm:linClrLst>
+    <dgm:effectClrLst/>
+    <dgm:txLinClrLst/>
+    <dgm:txFillClrLst/>
+    <dgm:txEffectClrLst/>
+  </dgm:styleLbl>
+  <dgm:styleLbl name="fgSibTrans2D1">
+    <dgm:fillClrLst meth="repeat">
+      <a:schemeClr val="accent2"/>
+      <a:schemeClr val="accent3"/>
+      <a:schemeClr val="accent4"/>
+      <a:schemeClr val="accent5"/>
+      <a:schemeClr val="accent6"/>
+    </dgm:fillClrLst>
+    <dgm:linClrLst meth="cycle">
+      <a:schemeClr val="lt1"/>
+    </dgm:linClrLst>
+    <dgm:effectClrLst/>
+    <dgm:txLinClrLst/>
+    <dgm:txFillClrLst meth="repeat">
+      <a:schemeClr val="lt1"/>
+    </dgm:txFillClrLst>
+    <dgm:txEffectClrLst/>
+  </dgm:styleLbl>
+  <dgm:styleLbl name="bgSibTrans2D1">
+    <dgm:fillClrLst meth="repeat">
+      <a:schemeClr val="accent2"/>
+      <a:schemeClr val="accent3"/>
+      <a:schemeClr val="accent4"/>
+      <a:schemeClr val="accent5"/>
+      <a:schemeClr val="accent6"/>
+    </dgm:fillClrLst>
+    <dgm:linClrLst meth="cycle">
+      <a:schemeClr val="lt1"/>
+    </dgm:linClrLst>
+    <dgm:effectClrLst/>
+    <dgm:txLinClrLst/>
+    <dgm:txFillClrLst meth="repeat">
+      <a:schemeClr val="lt1"/>
+    </dgm:txFillClrLst>
+    <dgm:txEffectClrLst/>
+  </dgm:styleLbl>
+  <dgm:styleLbl name="sibTrans1D1">
+    <dgm:fillClrLst meth="repeat">
+      <a:schemeClr val="accent2"/>
+      <a:schemeClr val="accent3"/>
+      <a:schemeClr val="accent4"/>
+      <a:schemeClr val="accent5"/>
+      <a:schemeClr val="accent6"/>
+    </dgm:fillClrLst>
+    <dgm:linClrLst meth="repeat">
+      <a:schemeClr val="accent2"/>
+      <a:schemeClr val="accent3"/>
+      <a:schemeClr val="accent4"/>
+      <a:schemeClr val="accent5"/>
+      <a:schemeClr val="accent6"/>
+    </dgm:linClrLst>
+    <dgm:effectClrLst/>
+    <dgm:txLinClrLst/>
+    <dgm:txFillClrLst meth="repeat">
+      <a:schemeClr val="tx1"/>
+    </dgm:txFillClrLst>
+    <dgm:txEffectClrLst/>
+  </dgm:styleLbl>
+  <dgm:styleLbl name="callout">
+    <dgm:fillClrLst meth="repeat">
+      <a:schemeClr val="accent2"/>
     </dgm:fillClrLst>
     <dgm:linClrLst meth="repeat">
       <a:schemeClr val="accent2">
-        <a:shade val="80000"/>
-      </a:schemeClr>
+        <a:tint val="50000"/>
+      </a:schemeClr>
+    </dgm:linClrLst>
+    <dgm:effectClrLst/>
+    <dgm:txLinClrLst/>
+    <dgm:txFillClrLst meth="repeat">
+      <a:schemeClr val="tx1"/>
+    </dgm:txFillClrLst>
+    <dgm:txEffectClrLst/>
+  </dgm:styleLbl>
+  <dgm:styleLbl name="asst0">
+    <dgm:fillClrLst meth="repeat">
+      <a:schemeClr val="accent1"/>
+    </dgm:fillClrLst>
+    <dgm:linClrLst meth="repeat">
+      <a:schemeClr val="lt1"/>
+    </dgm:linClrLst>
+    <dgm:effectClrLst/>
+    <dgm:txLinClrLst/>
+    <dgm:txFillClrLst/>
+    <dgm:txEffectClrLst/>
+  </dgm:styleLbl>
+  <dgm:styleLbl name="asst1">
+    <dgm:fillClrLst meth="repeat">
+      <a:schemeClr val="accent2"/>
+    </dgm:fillClrLst>
+    <dgm:linClrLst meth="repeat">
+      <a:schemeClr val="lt1"/>
+    </dgm:linClrLst>
+    <dgm:effectClrLst/>
+    <dgm:txLinClrLst/>
+    <dgm:txFillClrLst/>
+    <dgm:txEffectClrLst/>
+  </dgm:styleLbl>
+  <dgm:styleLbl name="asst2">
+    <dgm:fillClrLst>
+      <a:schemeClr val="accent3"/>
+    </dgm:fillClrLst>
+    <dgm:linClrLst meth="repeat">
+      <a:schemeClr val="lt1"/>
+    </dgm:linClrLst>
+    <dgm:effectClrLst/>
+    <dgm:txLinClrLst/>
+    <dgm:txFillClrLst/>
+    <dgm:txEffectClrLst/>
+  </dgm:styleLbl>
+  <dgm:styleLbl name="asst3">
+    <dgm:fillClrLst>
+      <a:schemeClr val="accent4"/>
+    </dgm:fillClrLst>
+    <dgm:linClrLst meth="repeat">
+      <a:schemeClr val="lt1"/>
+    </dgm:linClrLst>
+    <dgm:effectClrLst/>
+    <dgm:txLinClrLst/>
+    <dgm:txFillClrLst/>
+    <dgm:txEffectClrLst/>
+  </dgm:styleLbl>
+  <dgm:styleLbl name="asst4">
+    <dgm:fillClrLst>
+      <a:schemeClr val="accent5"/>
+    </dgm:fillClrLst>
+    <dgm:linClrLst meth="repeat">
+      <a:schemeClr val="lt1"/>
+    </dgm:linClrLst>
+    <dgm:effectClrLst/>
+    <dgm:txLinClrLst/>
+    <dgm:txFillClrLst/>
+    <dgm:txEffectClrLst/>
+  </dgm:styleLbl>
+  <dgm:styleLbl name="parChTrans2D1">
+    <dgm:fillClrLst meth="repeat">
+      <a:schemeClr val="accent2"/>
+    </dgm:fillClrLst>
+    <dgm:linClrLst meth="repeat">
+      <a:schemeClr val="lt1"/>
+    </dgm:linClrLst>
+    <dgm:effectClrLst/>
+    <dgm:txLinClrLst/>
+    <dgm:txFillClrLst meth="repeat">
+      <a:schemeClr val="lt1"/>
+    </dgm:txFillClrLst>
+    <dgm:txEffectClrLst/>
+  </dgm:styleLbl>
+  <dgm:styleLbl name="parChTrans2D2">
+    <dgm:fillClrLst meth="repeat">
+      <a:schemeClr val="accent3"/>
+    </dgm:fillClrLst>
+    <dgm:linClrLst meth="repeat">
+      <a:schemeClr val="lt1"/>
+    </dgm:linClrLst>
+    <dgm:effectClrLst/>
+    <dgm:txLinClrLst/>
+    <dgm:txFillClrLst/>
+    <dgm:txEffectClrLst/>
+  </dgm:styleLbl>
+  <dgm:styleLbl name="parChTrans2D3">
+    <dgm:fillClrLst meth="repeat">
+      <a:schemeClr val="accent4"/>
+    </dgm:fillClrLst>
+    <dgm:linClrLst meth="repeat">
+      <a:schemeClr val="lt1"/>
+    </dgm:linClrLst>
+    <dgm:effectClrLst/>
+    <dgm:txLinClrLst/>
+    <dgm:txFillClrLst/>
+    <dgm:txEffectClrLst/>
+  </dgm:styleLbl>
+  <dgm:styleLbl name="parChTrans2D4">
+    <dgm:fillClrLst meth="repeat">
+      <a:schemeClr val="accent5"/>
+    </dgm:fillClrLst>
+    <dgm:linClrLst meth="repeat">
+      <a:schemeClr val="lt1"/>
+    </dgm:linClrLst>
+    <dgm:effectClrLst/>
+    <dgm:txLinClrLst/>
+    <dgm:txFillClrLst meth="repeat">
+      <a:schemeClr val="lt1"/>
+    </dgm:txFillClrLst>
+    <dgm:txEffectClrLst/>
+  </dgm:styleLbl>
+  <dgm:styleLbl name="parChTrans1D1">
+    <dgm:fillClrLst meth="repeat">
+      <a:schemeClr val="accent2"/>
+    </dgm:fillClrLst>
+    <dgm:linClrLst meth="repeat">
+      <a:schemeClr val="accent1"/>
+    </dgm:linClrLst>
+    <dgm:effectClrLst/>
+    <dgm:txLinClrLst/>
+    <dgm:txFillClrLst meth="repeat">
+      <a:schemeClr val="tx1"/>
+    </dgm:txFillClrLst>
+    <dgm:txEffectClrLst/>
+  </dgm:styleLbl>
+  <dgm:styleLbl name="parChTrans1D2">
+    <dgm:fillClrLst meth="repeat">
+      <a:schemeClr val="accent3">
+        <a:tint val="90000"/>
+      </a:schemeClr>
+    </dgm:fillClrLst>
+    <dgm:linClrLst meth="repeat">
+      <a:schemeClr val="accent2"/>
+    </dgm:linClrLst>
+    <dgm:effectClrLst/>
+    <dgm:txLinClrLst/>
+    <dgm:txFillClrLst meth="repeat">
+      <a:schemeClr val="tx1"/>
+    </dgm:txFillClrLst>
+    <dgm:txEffectClrLst/>
+  </dgm:styleLbl>
+  <dgm:styleLbl name="parChTrans1D3">
+    <dgm:fillClrLst meth="repeat">
+      <a:schemeClr val="accent4">
+        <a:tint val="70000"/>
+      </a:schemeClr>
+    </dgm:fillClrLst>
+    <dgm:linClrLst meth="repeat">
+      <a:schemeClr val="accent3"/>
+    </dgm:linClrLst>
+    <dgm:effectClrLst/>
+    <dgm:txLinClrLst/>
+    <dgm:txFillClrLst meth="repeat">
+      <a:schemeClr val="tx1"/>
+    </dgm:txFillClrLst>
+    <dgm:txEffectClrLst/>
+  </dgm:styleLbl>
+  <dgm:styleLbl name="parChTrans1D4">
+    <dgm:fillClrLst meth="repeat">
+      <a:schemeClr val="accent5">
+        <a:tint val="50000"/>
+      </a:schemeClr>
+    </dgm:fillClrLst>
+    <dgm:linClrLst meth="repeat">
+      <a:schemeClr val="accent4"/>
+    </dgm:linClrLst>
+    <dgm:effectClrLst/>
+    <dgm:txLinClrLst/>
+    <dgm:txFillClrLst meth="repeat">
+      <a:schemeClr val="tx1"/>
+    </dgm:txFillClrLst>
+    <dgm:txEffectClrLst/>
+  </dgm:styleLbl>
+  <dgm:styleLbl name="fgAcc1">
+    <dgm:fillClrLst meth="repeat">
+      <a:schemeClr val="lt1">
+        <a:alpha val="90000"/>
+      </a:schemeClr>
+    </dgm:fillClrLst>
+    <dgm:linClrLst meth="repeat">
+      <a:schemeClr val="accent2"/>
+      <a:schemeClr val="accent3"/>
+      <a:schemeClr val="accent4"/>
+      <a:schemeClr val="accent5"/>
+      <a:schemeClr val="accent6"/>
     </dgm:linClrLst>
     <dgm:effectClrLst/>
     <dgm:txLinClrLst/>
@@ -3369,14 +3834,18 @@
     </dgm:txFillClrLst>
     <dgm:txEffectClrLst/>
   </dgm:styleLbl>
-  <dgm:styleLbl name="node1">
+  <dgm:styleLbl name="conFgAcc1">
     <dgm:fillClrLst meth="repeat">
-      <a:schemeClr val="lt1"/>
+      <a:schemeClr val="lt1">
+        <a:alpha val="90000"/>
+      </a:schemeClr>
     </dgm:fillClrLst>
     <dgm:linClrLst meth="repeat">
-      <a:schemeClr val="accent2">
-        <a:shade val="80000"/>
-      </a:schemeClr>
+      <a:schemeClr val="accent2"/>
+      <a:schemeClr val="accent3"/>
+      <a:schemeClr val="accent4"/>
+      <a:schemeClr val="accent5"/>
+      <a:schemeClr val="accent6"/>
     </dgm:linClrLst>
     <dgm:effectClrLst/>
     <dgm:txLinClrLst/>
@@ -3385,14 +3854,18 @@
     </dgm:txFillClrLst>
     <dgm:txEffectClrLst/>
   </dgm:styleLbl>
-  <dgm:styleLbl name="alignNode1">
+  <dgm:styleLbl name="alignAcc1">
     <dgm:fillClrLst meth="repeat">
-      <a:schemeClr val="lt1"/>
+      <a:schemeClr val="lt1">
+        <a:alpha val="90000"/>
+      </a:schemeClr>
     </dgm:fillClrLst>
     <dgm:linClrLst meth="repeat">
-      <a:schemeClr val="accent2">
-        <a:shade val="80000"/>
-      </a:schemeClr>
+      <a:schemeClr val="accent2"/>
+      <a:schemeClr val="accent3"/>
+      <a:schemeClr val="accent4"/>
+      <a:schemeClr val="accent5"/>
+      <a:schemeClr val="accent6"/>
     </dgm:linClrLst>
     <dgm:effectClrLst/>
     <dgm:txLinClrLst/>
@@ -3401,14 +3874,14 @@
     </dgm:txFillClrLst>
     <dgm:txEffectClrLst/>
   </dgm:styleLbl>
-  <dgm:styleLbl name="lnNode1">
+  <dgm:styleLbl name="trAlignAcc1">
     <dgm:fillClrLst meth="repeat">
-      <a:schemeClr val="lt1"/>
+      <a:schemeClr val="lt1">
+        <a:alpha val="40000"/>
+      </a:schemeClr>
     </dgm:fillClrLst>
     <dgm:linClrLst meth="repeat">
-      <a:schemeClr val="accent2">
-        <a:shade val="80000"/>
-      </a:schemeClr>
+      <a:schemeClr val="accent1"/>
     </dgm:linClrLst>
     <dgm:effectClrLst/>
     <dgm:txLinClrLst/>
@@ -3417,30 +3890,18 @@
     </dgm:txFillClrLst>
     <dgm:txEffectClrLst/>
   </dgm:styleLbl>
-  <dgm:styleLbl name="vennNode1">
+  <dgm:styleLbl name="bgAcc1">
     <dgm:fillClrLst meth="repeat">
       <a:schemeClr val="lt1">
-        <a:alpha val="50000"/>
+        <a:alpha val="90000"/>
       </a:schemeClr>
     </dgm:fillClrLst>
     <dgm:linClrLst meth="repeat">
-      <a:schemeClr val="accent2">
-        <a:shade val="80000"/>
-      </a:schemeClr>
-    </dgm:linClrLst>
-    <dgm:effectClrLst/>
-    <dgm:txLinClrLst/>
-    <dgm:txFillClrLst/>
-    <dgm:txEffectClrLst/>
-  </dgm:styleLbl>
-  <dgm:styleLbl name="node2">
-    <dgm:fillClrLst meth="repeat">
-      <a:schemeClr val="lt1"/>
-    </dgm:fillClrLst>
-    <dgm:linClrLst meth="repeat">
-      <a:schemeClr val="accent2">
-        <a:shade val="80000"/>
-      </a:schemeClr>
+      <a:schemeClr val="accent2"/>
+      <a:schemeClr val="accent3"/>
+      <a:schemeClr val="accent4"/>
+      <a:schemeClr val="accent5"/>
+      <a:schemeClr val="accent6"/>
     </dgm:linClrLst>
     <dgm:effectClrLst/>
     <dgm:txLinClrLst/>
@@ -3449,14 +3910,16 @@
     </dgm:txFillClrLst>
     <dgm:txEffectClrLst/>
   </dgm:styleLbl>
-  <dgm:styleLbl name="node3">
+  <dgm:styleLbl name="solidFgAcc1">
     <dgm:fillClrLst meth="repeat">
       <a:schemeClr val="lt1"/>
     </dgm:fillClrLst>
     <dgm:linClrLst meth="repeat">
-      <a:schemeClr val="accent2">
-        <a:shade val="80000"/>
-      </a:schemeClr>
+      <a:schemeClr val="accent2"/>
+      <a:schemeClr val="accent3"/>
+      <a:schemeClr val="accent4"/>
+      <a:schemeClr val="accent5"/>
+      <a:schemeClr val="accent6"/>
     </dgm:linClrLst>
     <dgm:effectClrLst/>
     <dgm:txLinClrLst/>
@@ -3465,14 +3928,16 @@
     </dgm:txFillClrLst>
     <dgm:txEffectClrLst/>
   </dgm:styleLbl>
-  <dgm:styleLbl name="node4">
+  <dgm:styleLbl name="solidAlignAcc1">
     <dgm:fillClrLst meth="repeat">
       <a:schemeClr val="lt1"/>
     </dgm:fillClrLst>
     <dgm:linClrLst meth="repeat">
-      <a:schemeClr val="accent2">
-        <a:shade val="80000"/>
-      </a:schemeClr>
+      <a:schemeClr val="accent2"/>
+      <a:schemeClr val="accent3"/>
+      <a:schemeClr val="accent4"/>
+      <a:schemeClr val="accent5"/>
+      <a:schemeClr val="accent6"/>
     </dgm:linClrLst>
     <dgm:effectClrLst/>
     <dgm:txLinClrLst/>
@@ -3481,69 +3946,171 @@
     </dgm:txFillClrLst>
     <dgm:txEffectClrLst/>
   </dgm:styleLbl>
-  <dgm:styleLbl name="fgImgPlace1">
+  <dgm:styleLbl name="solidBgAcc1">
+    <dgm:fillClrLst meth="repeat">
+      <a:schemeClr val="lt1"/>
+    </dgm:fillClrLst>
+    <dgm:linClrLst meth="repeat">
+      <a:schemeClr val="accent2"/>
+      <a:schemeClr val="accent3"/>
+      <a:schemeClr val="accent4"/>
+      <a:schemeClr val="accent5"/>
+      <a:schemeClr val="accent6"/>
+    </dgm:linClrLst>
+    <dgm:effectClrLst/>
+    <dgm:txLinClrLst/>
+    <dgm:txFillClrLst meth="repeat">
+      <a:schemeClr val="dk1"/>
+    </dgm:txFillClrLst>
+    <dgm:txEffectClrLst/>
+  </dgm:styleLbl>
+  <dgm:styleLbl name="fgAccFollowNode1">
     <dgm:fillClrLst meth="repeat">
       <a:schemeClr val="accent2">
         <a:tint val="40000"/>
+        <a:alpha val="90000"/>
+      </a:schemeClr>
+      <a:schemeClr val="accent3">
+        <a:tint val="40000"/>
+        <a:alpha val="90000"/>
+      </a:schemeClr>
+      <a:schemeClr val="accent4">
+        <a:tint val="40000"/>
+        <a:alpha val="90000"/>
+      </a:schemeClr>
+      <a:schemeClr val="accent5">
+        <a:tint val="40000"/>
+        <a:alpha val="90000"/>
+      </a:schemeClr>
+      <a:schemeClr val="accent6">
+        <a:tint val="40000"/>
+        <a:alpha val="90000"/>
       </a:schemeClr>
     </dgm:fillClrLst>
     <dgm:linClrLst meth="repeat">
       <a:schemeClr val="accent2">
-        <a:shade val="80000"/>
+        <a:tint val="40000"/>
+        <a:alpha val="90000"/>
+      </a:schemeClr>
+      <a:schemeClr val="accent3">
+        <a:tint val="40000"/>
+        <a:alpha val="90000"/>
+      </a:schemeClr>
+      <a:schemeClr val="accent4">
+        <a:tint val="40000"/>
+        <a:alpha val="90000"/>
+      </a:schemeClr>
+      <a:schemeClr val="accent5">
+        <a:tint val="40000"/>
+        <a:alpha val="90000"/>
+      </a:schemeClr>
+      <a:schemeClr val="accent6">
+        <a:tint val="40000"/>
+        <a:alpha val="90000"/>
       </a:schemeClr>
     </dgm:linClrLst>
     <dgm:effectClrLst/>
     <dgm:txLinClrLst/>
     <dgm:txFillClrLst meth="repeat">
-      <a:schemeClr val="lt1"/>
+      <a:schemeClr val="dk1"/>
     </dgm:txFillClrLst>
     <dgm:txEffectClrLst/>
   </dgm:styleLbl>
-  <dgm:styleLbl name="alignImgPlace1">
+  <dgm:styleLbl name="alignAccFollowNode1">
     <dgm:fillClrLst meth="repeat">
       <a:schemeClr val="accent2">
         <a:tint val="40000"/>
+        <a:alpha val="90000"/>
+      </a:schemeClr>
+      <a:schemeClr val="accent3">
+        <a:tint val="40000"/>
+        <a:alpha val="90000"/>
+      </a:schemeClr>
+      <a:schemeClr val="accent4">
+        <a:tint val="40000"/>
+        <a:alpha val="90000"/>
+      </a:schemeClr>
+      <a:schemeClr val="accent5">
+        <a:tint val="40000"/>
+        <a:alpha val="90000"/>
+      </a:schemeClr>
+      <a:schemeClr val="accent6">
+        <a:tint val="40000"/>
+        <a:alpha val="90000"/>
       </a:schemeClr>
     </dgm:fillClrLst>
     <dgm:linClrLst meth="repeat">
       <a:schemeClr val="accent2">
-        <a:shade val="80000"/>
+        <a:tint val="40000"/>
+        <a:alpha val="90000"/>
+      </a:schemeClr>
+      <a:schemeClr val="accent3">
+        <a:tint val="40000"/>
+        <a:alpha val="90000"/>
+      </a:schemeClr>
+      <a:schemeClr val="accent4">
+        <a:tint val="40000"/>
+        <a:alpha val="90000"/>
+      </a:schemeClr>
+      <a:schemeClr val="accent5">
+        <a:tint val="40000"/>
+        <a:alpha val="90000"/>
+      </a:schemeClr>
+      <a:schemeClr val="accent6">
+        <a:tint val="40000"/>
+        <a:alpha val="90000"/>
       </a:schemeClr>
     </dgm:linClrLst>
     <dgm:effectClrLst/>
     <dgm:txLinClrLst/>
     <dgm:txFillClrLst meth="repeat">
-      <a:schemeClr val="lt1"/>
+      <a:schemeClr val="dk1"/>
     </dgm:txFillClrLst>
     <dgm:txEffectClrLst/>
   </dgm:styleLbl>
-  <dgm:styleLbl name="bgImgPlace1">
+  <dgm:styleLbl name="bgAccFollowNode1">
     <dgm:fillClrLst meth="repeat">
       <a:schemeClr val="accent2">
         <a:tint val="40000"/>
+        <a:alpha val="90000"/>
+      </a:schemeClr>
+      <a:schemeClr val="accent3">
+        <a:tint val="40000"/>
+        <a:alpha val="90000"/>
+      </a:schemeClr>
+      <a:schemeClr val="accent4">
+        <a:tint val="40000"/>
+        <a:alpha val="90000"/>
+      </a:schemeClr>
+      <a:schemeClr val="accent5">
+        <a:tint val="40000"/>
+        <a:alpha val="90000"/>
+      </a:schemeClr>
+      <a:schemeClr val="accent6">
+        <a:tint val="40000"/>
+        <a:alpha val="90000"/>
       </a:schemeClr>
     </dgm:fillClrLst>
     <dgm:linClrLst meth="repeat">
       <a:schemeClr val="accent2">
-        <a:shade val="80000"/>
-      </a:schemeClr>
-    </dgm:linClrLst>
-    <dgm:effectClrLst/>
-    <dgm:txLinClrLst/>
-    <dgm:txFillClrLst meth="repeat">
-      <a:schemeClr val="lt1"/>
-    </dgm:txFillClrLst>
-    <dgm:txEffectClrLst/>
-  </dgm:styleLbl>
-  <dgm:styleLbl name="sibTrans2D1">
-    <dgm:fillClrLst meth="repeat">
-      <a:schemeClr val="accent2">
-        <a:tint val="60000"/>
-      </a:schemeClr>
-    </dgm:fillClrLst>
-    <dgm:linClrLst meth="repeat">
-      <a:schemeClr val="accent2">
-        <a:tint val="60000"/>
+        <a:tint val="40000"/>
+        <a:alpha val="90000"/>
+      </a:schemeClr>
+      <a:schemeClr val="accent3">
+        <a:tint val="40000"/>
+        <a:alpha val="90000"/>
+      </a:schemeClr>
+      <a:schemeClr val="accent4">
+        <a:tint val="40000"/>
+        <a:alpha val="90000"/>
+      </a:schemeClr>
+      <a:schemeClr val="accent5">
+        <a:tint val="40000"/>
+        <a:alpha val="90000"/>
+      </a:schemeClr>
+      <a:schemeClr val="accent6">
+        <a:tint val="40000"/>
+        <a:alpha val="90000"/>
       </a:schemeClr>
     </dgm:linClrLst>
     <dgm:effectClrLst/>
@@ -3553,16 +4120,14 @@
     </dgm:txFillClrLst>
     <dgm:txEffectClrLst/>
   </dgm:styleLbl>
-  <dgm:styleLbl name="fgSibTrans2D1">
+  <dgm:styleLbl name="fgAcc0">
     <dgm:fillClrLst meth="repeat">
-      <a:schemeClr val="accent2">
-        <a:tint val="60000"/>
-      </a:schemeClr>
-    </dgm:fillClrLst>
-    <dgm:linClrLst meth="repeat">
-      <a:schemeClr val="accent2">
-        <a:tint val="60000"/>
-      </a:schemeClr>
+      <a:schemeClr val="lt1">
+        <a:alpha val="90000"/>
+      </a:schemeClr>
+    </dgm:fillClrLst>
+    <dgm:linClrLst>
+      <a:schemeClr val="accent1"/>
     </dgm:linClrLst>
     <dgm:effectClrLst/>
     <dgm:txLinClrLst/>
@@ -3571,16 +4136,14 @@
     </dgm:txFillClrLst>
     <dgm:txEffectClrLst/>
   </dgm:styleLbl>
-  <dgm:styleLbl name="bgSibTrans2D1">
+  <dgm:styleLbl name="fgAcc2">
     <dgm:fillClrLst meth="repeat">
-      <a:schemeClr val="accent2">
-        <a:tint val="60000"/>
-      </a:schemeClr>
-    </dgm:fillClrLst>
-    <dgm:linClrLst meth="repeat">
-      <a:schemeClr val="accent2">
-        <a:tint val="60000"/>
-      </a:schemeClr>
+      <a:schemeClr val="lt1">
+        <a:alpha val="90000"/>
+      </a:schemeClr>
+    </dgm:fillClrLst>
+    <dgm:linClrLst>
+      <a:schemeClr val="accent2"/>
     </dgm:linClrLst>
     <dgm:effectClrLst/>
     <dgm:txLinClrLst/>
@@ -3589,42 +4152,14 @@
     </dgm:txFillClrLst>
     <dgm:txEffectClrLst/>
   </dgm:styleLbl>
-  <dgm:styleLbl name="sibTrans1D1">
+  <dgm:styleLbl name="fgAcc3">
     <dgm:fillClrLst meth="repeat">
-      <a:schemeClr val="accent2"/>
-    </dgm:fillClrLst>
-    <dgm:linClrLst meth="repeat">
-      <a:schemeClr val="accent2"/>
-    </dgm:linClrLst>
-    <dgm:effectClrLst/>
-    <dgm:txLinClrLst/>
-    <dgm:txFillClrLst meth="repeat">
-      <a:schemeClr val="tx1"/>
-    </dgm:txFillClrLst>
-    <dgm:txEffectClrLst/>
-  </dgm:styleLbl>
-  <dgm:styleLbl name="callout">
-    <dgm:fillClrLst meth="repeat">
-      <a:schemeClr val="accent2"/>
-    </dgm:fillClrLst>
-    <dgm:linClrLst meth="repeat">
-      <a:schemeClr val="accent2"/>
-    </dgm:linClrLst>
-    <dgm:effectClrLst/>
-    <dgm:txLinClrLst/>
-    <dgm:txFillClrLst meth="repeat">
-      <a:schemeClr val="tx1"/>
-    </dgm:txFillClrLst>
-    <dgm:txEffectClrLst/>
-  </dgm:styleLbl>
-  <dgm:styleLbl name="asst0">
-    <dgm:fillClrLst meth="repeat">
-      <a:schemeClr val="lt1"/>
-    </dgm:fillClrLst>
-    <dgm:linClrLst meth="repeat">
-      <a:schemeClr val="accent2">
-        <a:shade val="80000"/>
-      </a:schemeClr>
+      <a:schemeClr val="lt1">
+        <a:alpha val="90000"/>
+      </a:schemeClr>
+    </dgm:fillClrLst>
+    <dgm:linClrLst>
+      <a:schemeClr val="accent3"/>
     </dgm:linClrLst>
     <dgm:effectClrLst/>
     <dgm:txLinClrLst/>
@@ -3633,432 +4168,14 @@
     </dgm:txFillClrLst>
     <dgm:txEffectClrLst/>
   </dgm:styleLbl>
-  <dgm:styleLbl name="asst1">
-    <dgm:fillClrLst meth="repeat">
-      <a:schemeClr val="lt1"/>
-    </dgm:fillClrLst>
-    <dgm:linClrLst meth="repeat">
-      <a:schemeClr val="accent2">
-        <a:shade val="80000"/>
-      </a:schemeClr>
-    </dgm:linClrLst>
-    <dgm:effectClrLst/>
-    <dgm:txLinClrLst/>
-    <dgm:txFillClrLst meth="repeat">
-      <a:schemeClr val="dk1"/>
-    </dgm:txFillClrLst>
-    <dgm:txEffectClrLst/>
-  </dgm:styleLbl>
-  <dgm:styleLbl name="asst2">
-    <dgm:fillClrLst meth="repeat">
-      <a:schemeClr val="lt1"/>
-    </dgm:fillClrLst>
-    <dgm:linClrLst meth="repeat">
-      <a:schemeClr val="accent2">
-        <a:shade val="80000"/>
-      </a:schemeClr>
-    </dgm:linClrLst>
-    <dgm:effectClrLst/>
-    <dgm:txLinClrLst/>
-    <dgm:txFillClrLst meth="repeat">
-      <a:schemeClr val="dk1"/>
-    </dgm:txFillClrLst>
-    <dgm:txEffectClrLst/>
-  </dgm:styleLbl>
-  <dgm:styleLbl name="asst3">
-    <dgm:fillClrLst meth="repeat">
-      <a:schemeClr val="lt1"/>
-    </dgm:fillClrLst>
-    <dgm:linClrLst meth="repeat">
-      <a:schemeClr val="accent2">
-        <a:shade val="80000"/>
-      </a:schemeClr>
-    </dgm:linClrLst>
-    <dgm:effectClrLst/>
-    <dgm:txLinClrLst/>
-    <dgm:txFillClrLst meth="repeat">
-      <a:schemeClr val="dk1"/>
-    </dgm:txFillClrLst>
-    <dgm:txEffectClrLst/>
-  </dgm:styleLbl>
-  <dgm:styleLbl name="asst4">
-    <dgm:fillClrLst meth="repeat">
-      <a:schemeClr val="lt1"/>
-    </dgm:fillClrLst>
-    <dgm:linClrLst meth="repeat">
-      <a:schemeClr val="accent2">
-        <a:shade val="80000"/>
-      </a:schemeClr>
-    </dgm:linClrLst>
-    <dgm:effectClrLst/>
-    <dgm:txLinClrLst/>
-    <dgm:txFillClrLst meth="repeat">
-      <a:schemeClr val="dk1"/>
-    </dgm:txFillClrLst>
-    <dgm:txEffectClrLst/>
-  </dgm:styleLbl>
-  <dgm:styleLbl name="parChTrans2D1">
-    <dgm:fillClrLst meth="repeat">
-      <a:schemeClr val="accent2">
-        <a:tint val="60000"/>
-      </a:schemeClr>
-    </dgm:fillClrLst>
-    <dgm:linClrLst meth="repeat">
-      <a:schemeClr val="accent2">
-        <a:tint val="60000"/>
-      </a:schemeClr>
-    </dgm:linClrLst>
-    <dgm:effectClrLst/>
-    <dgm:txLinClrLst/>
-    <dgm:txFillClrLst/>
-    <dgm:txEffectClrLst/>
-  </dgm:styleLbl>
-  <dgm:styleLbl name="parChTrans2D2">
-    <dgm:fillClrLst meth="repeat">
-      <a:schemeClr val="accent2"/>
-    </dgm:fillClrLst>
-    <dgm:linClrLst meth="repeat">
-      <a:schemeClr val="accent2"/>
-    </dgm:linClrLst>
-    <dgm:effectClrLst/>
-    <dgm:txLinClrLst/>
-    <dgm:txFillClrLst/>
-    <dgm:txEffectClrLst/>
-  </dgm:styleLbl>
-  <dgm:styleLbl name="parChTrans2D3">
-    <dgm:fillClrLst meth="repeat">
-      <a:schemeClr val="accent2"/>
-    </dgm:fillClrLst>
-    <dgm:linClrLst meth="repeat">
-      <a:schemeClr val="accent2"/>
-    </dgm:linClrLst>
-    <dgm:effectClrLst/>
-    <dgm:txLinClrLst/>
-    <dgm:txFillClrLst/>
-    <dgm:txEffectClrLst/>
-  </dgm:styleLbl>
-  <dgm:styleLbl name="parChTrans2D4">
-    <dgm:fillClrLst meth="repeat">
-      <a:schemeClr val="accent2"/>
-    </dgm:fillClrLst>
-    <dgm:linClrLst meth="repeat">
-      <a:schemeClr val="accent2"/>
-    </dgm:linClrLst>
-    <dgm:effectClrLst/>
-    <dgm:txLinClrLst/>
-    <dgm:txFillClrLst meth="repeat">
-      <a:schemeClr val="lt1"/>
-    </dgm:txFillClrLst>
-    <dgm:txEffectClrLst/>
-  </dgm:styleLbl>
-  <dgm:styleLbl name="parChTrans1D1">
-    <dgm:fillClrLst meth="repeat">
-      <a:schemeClr val="accent2"/>
-    </dgm:fillClrLst>
-    <dgm:linClrLst meth="repeat">
-      <a:schemeClr val="accent2">
-        <a:shade val="60000"/>
-      </a:schemeClr>
-    </dgm:linClrLst>
-    <dgm:effectClrLst/>
-    <dgm:txLinClrLst/>
-    <dgm:txFillClrLst meth="repeat">
-      <a:schemeClr val="tx1"/>
-    </dgm:txFillClrLst>
-    <dgm:txEffectClrLst/>
-  </dgm:styleLbl>
-  <dgm:styleLbl name="parChTrans1D2">
-    <dgm:fillClrLst meth="repeat">
-      <a:schemeClr val="accent2"/>
-    </dgm:fillClrLst>
-    <dgm:linClrLst meth="repeat">
-      <a:schemeClr val="accent2">
-        <a:shade val="60000"/>
-      </a:schemeClr>
-    </dgm:linClrLst>
-    <dgm:effectClrLst/>
-    <dgm:txLinClrLst/>
-    <dgm:txFillClrLst meth="repeat">
-      <a:schemeClr val="tx1"/>
-    </dgm:txFillClrLst>
-    <dgm:txEffectClrLst/>
-  </dgm:styleLbl>
-  <dgm:styleLbl name="parChTrans1D3">
-    <dgm:fillClrLst meth="repeat">
-      <a:schemeClr val="accent2"/>
-    </dgm:fillClrLst>
-    <dgm:linClrLst meth="repeat">
-      <a:schemeClr val="accent2">
-        <a:shade val="80000"/>
-      </a:schemeClr>
-    </dgm:linClrLst>
-    <dgm:effectClrLst/>
-    <dgm:txLinClrLst/>
-    <dgm:txFillClrLst meth="repeat">
-      <a:schemeClr val="tx1"/>
-    </dgm:txFillClrLst>
-    <dgm:txEffectClrLst/>
-  </dgm:styleLbl>
-  <dgm:styleLbl name="parChTrans1D4">
-    <dgm:fillClrLst meth="repeat">
-      <a:schemeClr val="accent2"/>
-    </dgm:fillClrLst>
-    <dgm:linClrLst meth="repeat">
-      <a:schemeClr val="accent2">
-        <a:shade val="80000"/>
-      </a:schemeClr>
-    </dgm:linClrLst>
-    <dgm:effectClrLst/>
-    <dgm:txLinClrLst/>
-    <dgm:txFillClrLst meth="repeat">
-      <a:schemeClr val="tx1"/>
-    </dgm:txFillClrLst>
-    <dgm:txEffectClrLst/>
-  </dgm:styleLbl>
-  <dgm:styleLbl name="fgAcc1">
-    <dgm:fillClrLst meth="repeat">
-      <a:schemeClr val="accent2">
-        <a:alpha val="90000"/>
-        <a:tint val="40000"/>
-      </a:schemeClr>
-    </dgm:fillClrLst>
-    <dgm:linClrLst meth="repeat">
-      <a:schemeClr val="accent2"/>
-    </dgm:linClrLst>
-    <dgm:effectClrLst/>
-    <dgm:txLinClrLst/>
-    <dgm:txFillClrLst meth="repeat">
-      <a:schemeClr val="dk1"/>
-    </dgm:txFillClrLst>
-    <dgm:txEffectClrLst/>
-  </dgm:styleLbl>
-  <dgm:styleLbl name="conFgAcc1">
-    <dgm:fillClrLst meth="repeat">
-      <a:schemeClr val="accent2">
-        <a:alpha val="90000"/>
-        <a:tint val="40000"/>
-      </a:schemeClr>
-    </dgm:fillClrLst>
-    <dgm:linClrLst meth="repeat">
-      <a:schemeClr val="accent2"/>
-    </dgm:linClrLst>
-    <dgm:effectClrLst/>
-    <dgm:txLinClrLst/>
-    <dgm:txFillClrLst meth="repeat">
-      <a:schemeClr val="dk1"/>
-    </dgm:txFillClrLst>
-    <dgm:txEffectClrLst/>
-  </dgm:styleLbl>
-  <dgm:styleLbl name="alignAcc1">
-    <dgm:fillClrLst meth="repeat">
-      <a:schemeClr val="accent2">
-        <a:alpha val="90000"/>
-        <a:tint val="40000"/>
-      </a:schemeClr>
-    </dgm:fillClrLst>
-    <dgm:linClrLst meth="repeat">
-      <a:schemeClr val="accent2"/>
-    </dgm:linClrLst>
-    <dgm:effectClrLst/>
-    <dgm:txLinClrLst/>
-    <dgm:txFillClrLst meth="repeat">
-      <a:schemeClr val="dk1"/>
-    </dgm:txFillClrLst>
-    <dgm:txEffectClrLst/>
-  </dgm:styleLbl>
-  <dgm:styleLbl name="trAlignAcc1">
-    <dgm:fillClrLst meth="repeat">
-      <a:schemeClr val="accent2">
-        <a:alpha val="40000"/>
-        <a:tint val="40000"/>
-      </a:schemeClr>
-    </dgm:fillClrLst>
-    <dgm:linClrLst meth="repeat">
-      <a:schemeClr val="accent2"/>
-    </dgm:linClrLst>
-    <dgm:effectClrLst/>
-    <dgm:txLinClrLst/>
-    <dgm:txFillClrLst meth="repeat">
-      <a:schemeClr val="dk1"/>
-    </dgm:txFillClrLst>
-    <dgm:txEffectClrLst/>
-  </dgm:styleLbl>
-  <dgm:styleLbl name="bgAcc1">
-    <dgm:fillClrLst meth="repeat">
-      <a:schemeClr val="accent2">
-        <a:alpha val="90000"/>
-        <a:tint val="40000"/>
-      </a:schemeClr>
-    </dgm:fillClrLst>
-    <dgm:linClrLst meth="repeat">
-      <a:schemeClr val="accent2"/>
-    </dgm:linClrLst>
-    <dgm:effectClrLst/>
-    <dgm:txLinClrLst/>
-    <dgm:txFillClrLst meth="repeat">
-      <a:schemeClr val="dk1"/>
-    </dgm:txFillClrLst>
-    <dgm:txEffectClrLst/>
-  </dgm:styleLbl>
-  <dgm:styleLbl name="solidFgAcc1">
-    <dgm:fillClrLst meth="repeat">
-      <a:schemeClr val="lt1"/>
-    </dgm:fillClrLst>
-    <dgm:linClrLst meth="repeat">
-      <a:schemeClr val="accent2"/>
-    </dgm:linClrLst>
-    <dgm:effectClrLst/>
-    <dgm:txLinClrLst/>
-    <dgm:txFillClrLst meth="repeat">
-      <a:schemeClr val="dk1"/>
-    </dgm:txFillClrLst>
-    <dgm:txEffectClrLst/>
-  </dgm:styleLbl>
-  <dgm:styleLbl name="solidAlignAcc1">
-    <dgm:fillClrLst meth="repeat">
-      <a:schemeClr val="lt1"/>
-    </dgm:fillClrLst>
-    <dgm:linClrLst meth="repeat">
-      <a:schemeClr val="accent2"/>
-    </dgm:linClrLst>
-    <dgm:effectClrLst/>
-    <dgm:txLinClrLst/>
-    <dgm:txFillClrLst meth="repeat">
-      <a:schemeClr val="dk1"/>
-    </dgm:txFillClrLst>
-    <dgm:txEffectClrLst/>
-  </dgm:styleLbl>
-  <dgm:styleLbl name="solidBgAcc1">
-    <dgm:fillClrLst meth="repeat">
-      <a:schemeClr val="lt1"/>
-    </dgm:fillClrLst>
-    <dgm:linClrLst meth="repeat">
-      <a:schemeClr val="accent2"/>
-    </dgm:linClrLst>
-    <dgm:effectClrLst/>
-    <dgm:txLinClrLst/>
-    <dgm:txFillClrLst meth="repeat">
-      <a:schemeClr val="dk1"/>
-    </dgm:txFillClrLst>
-    <dgm:txEffectClrLst/>
-  </dgm:styleLbl>
-  <dgm:styleLbl name="fgAccFollowNode1">
+  <dgm:styleLbl name="fgAcc4">
     <dgm:fillClrLst meth="repeat">
       <a:schemeClr val="lt1">
         <a:alpha val="90000"/>
-        <a:tint val="40000"/>
-      </a:schemeClr>
-    </dgm:fillClrLst>
-    <dgm:linClrLst meth="repeat">
-      <a:schemeClr val="accent2">
-        <a:alpha val="90000"/>
-      </a:schemeClr>
-    </dgm:linClrLst>
-    <dgm:effectClrLst/>
-    <dgm:txLinClrLst/>
-    <dgm:txFillClrLst meth="repeat">
-      <a:schemeClr val="dk1"/>
-    </dgm:txFillClrLst>
-    <dgm:txEffectClrLst/>
-  </dgm:styleLbl>
-  <dgm:styleLbl name="alignAccFollowNode1">
-    <dgm:fillClrLst meth="repeat">
-      <a:schemeClr val="lt1">
-        <a:alpha val="90000"/>
-        <a:tint val="40000"/>
-      </a:schemeClr>
-    </dgm:fillClrLst>
-    <dgm:linClrLst meth="repeat">
-      <a:schemeClr val="accent2">
-        <a:alpha val="90000"/>
-      </a:schemeClr>
-    </dgm:linClrLst>
-    <dgm:effectClrLst/>
-    <dgm:txLinClrLst/>
-    <dgm:txFillClrLst meth="repeat">
-      <a:schemeClr val="dk1"/>
-    </dgm:txFillClrLst>
-    <dgm:txEffectClrLst/>
-  </dgm:styleLbl>
-  <dgm:styleLbl name="bgAccFollowNode1">
-    <dgm:fillClrLst meth="repeat">
-      <a:schemeClr val="lt1">
-        <a:alpha val="90000"/>
-        <a:tint val="40000"/>
-      </a:schemeClr>
-    </dgm:fillClrLst>
-    <dgm:linClrLst meth="repeat">
-      <a:schemeClr val="accent2">
-        <a:alpha val="90000"/>
-      </a:schemeClr>
-    </dgm:linClrLst>
-    <dgm:effectClrLst/>
-    <dgm:txLinClrLst/>
-    <dgm:txFillClrLst meth="repeat">
-      <a:schemeClr val="dk1"/>
-    </dgm:txFillClrLst>
-    <dgm:txEffectClrLst/>
-  </dgm:styleLbl>
-  <dgm:styleLbl name="fgAcc0">
-    <dgm:fillClrLst meth="repeat">
-      <a:schemeClr val="accent2">
-        <a:alpha val="90000"/>
-        <a:tint val="40000"/>
-      </a:schemeClr>
-    </dgm:fillClrLst>
-    <dgm:linClrLst meth="repeat">
-      <a:schemeClr val="accent2"/>
-    </dgm:linClrLst>
-    <dgm:effectClrLst/>
-    <dgm:txLinClrLst/>
-    <dgm:txFillClrLst meth="repeat">
-      <a:schemeClr val="dk1"/>
-    </dgm:txFillClrLst>
-    <dgm:txEffectClrLst/>
-  </dgm:styleLbl>
-  <dgm:styleLbl name="fgAcc2">
-    <dgm:fillClrLst meth="repeat">
-      <a:schemeClr val="accent2">
-        <a:alpha val="90000"/>
-        <a:tint val="40000"/>
-      </a:schemeClr>
-    </dgm:fillClrLst>
-    <dgm:linClrLst meth="repeat">
-      <a:schemeClr val="accent2"/>
-    </dgm:linClrLst>
-    <dgm:effectClrLst/>
-    <dgm:txLinClrLst/>
-    <dgm:txFillClrLst meth="repeat">
-      <a:schemeClr val="dk1"/>
-    </dgm:txFillClrLst>
-    <dgm:txEffectClrLst/>
-  </dgm:styleLbl>
-  <dgm:styleLbl name="fgAcc3">
-    <dgm:fillClrLst meth="repeat">
-      <a:schemeClr val="accent2">
-        <a:alpha val="90000"/>
-        <a:tint val="40000"/>
-      </a:schemeClr>
-    </dgm:fillClrLst>
-    <dgm:linClrLst meth="repeat">
-      <a:schemeClr val="accent2"/>
-    </dgm:linClrLst>
-    <dgm:effectClrLst/>
-    <dgm:txLinClrLst/>
-    <dgm:txFillClrLst meth="repeat">
-      <a:schemeClr val="dk1"/>
-    </dgm:txFillClrLst>
-    <dgm:txEffectClrLst/>
-  </dgm:styleLbl>
-  <dgm:styleLbl name="fgAcc4">
-    <dgm:fillClrLst meth="repeat">
-      <a:schemeClr val="accent2">
-        <a:alpha val="90000"/>
-        <a:tint val="40000"/>
-      </a:schemeClr>
-    </dgm:fillClrLst>
-    <dgm:linClrLst meth="repeat">
-      <a:schemeClr val="accent2"/>
+      </a:schemeClr>
+    </dgm:fillClrLst>
+    <dgm:linClrLst>
+      <a:schemeClr val="accent4"/>
     </dgm:linClrLst>
     <dgm:effectClrLst/>
     <dgm:txLinClrLst/>
@@ -4074,7 +4191,7 @@
       </a:schemeClr>
     </dgm:fillClrLst>
     <dgm:linClrLst meth="repeat">
-      <a:schemeClr val="accent2"/>
+      <a:schemeClr val="dk1"/>
     </dgm:linClrLst>
     <dgm:effectClrLst/>
     <dgm:txLinClrLst/>
@@ -4086,11 +4203,11 @@
   <dgm:styleLbl name="dkBgShp">
     <dgm:fillClrLst meth="repeat">
       <a:schemeClr val="accent2">
-        <a:shade val="80000"/>
+        <a:shade val="90000"/>
       </a:schemeClr>
     </dgm:fillClrLst>
     <dgm:linClrLst meth="repeat">
-      <a:schemeClr val="accent2"/>
+      <a:schemeClr val="dk1"/>
     </dgm:linClrLst>
     <dgm:effectClrLst/>
     <dgm:txLinClrLst/>
@@ -4101,7 +4218,7 @@
   </dgm:styleLbl>
   <dgm:styleLbl name="trBgShp">
     <dgm:fillClrLst meth="repeat">
-      <a:schemeClr val="accent2">
+      <a:schemeClr val="accent1">
         <a:tint val="50000"/>
         <a:alpha val="40000"/>
       </a:schemeClr>
@@ -4119,7 +4236,7 @@
   <dgm:styleLbl name="fgShp">
     <dgm:fillClrLst meth="repeat">
       <a:schemeClr val="accent2">
-        <a:tint val="60000"/>
+        <a:tint val="40000"/>
       </a:schemeClr>
     </dgm:fillClrLst>
     <dgm:linClrLst meth="repeat">
@@ -6681,6 +6798,13 @@
         </dgm:presLayoutVars>
       </dgm:prSet>
       <dgm:spPr/>
+      <dgm:t>
+        <a:bodyPr/>
+        <a:lstStyle/>
+        <a:p>
+          <a:endParaRPr lang="zh-CN" altLang="en-US"/>
+        </a:p>
+      </dgm:t>
     </dgm:pt>
     <dgm:pt modelId="{BAA90E71-A1A2-8246-8D3A-D0DDEE0EAE64}" type="pres">
       <dgm:prSet presAssocID="{72EE35B5-82AF-4947-86C4-3A151B0A0781}" presName="Name1" presStyleCnt="0"/>
@@ -6697,6 +6821,13 @@
     <dgm:pt modelId="{5862EDA2-B3D7-0B45-9541-87A9B4D82CE4}" type="pres">
       <dgm:prSet presAssocID="{72EE35B5-82AF-4947-86C4-3A151B0A0781}" presName="conn" presStyleLbl="parChTrans1D2" presStyleIdx="0" presStyleCnt="1"/>
       <dgm:spPr/>
+      <dgm:t>
+        <a:bodyPr/>
+        <a:lstStyle/>
+        <a:p>
+          <a:endParaRPr lang="zh-CN" altLang="en-US"/>
+        </a:p>
+      </dgm:t>
     </dgm:pt>
     <dgm:pt modelId="{092980D7-4180-6043-AC14-C6A1F402BD12}" type="pres">
       <dgm:prSet presAssocID="{72EE35B5-82AF-4947-86C4-3A151B0A0781}" presName="extraNode" presStyleLbl="node1" presStyleIdx="0" presStyleCnt="3"/>
@@ -6713,6 +6844,13 @@
         </dgm:presLayoutVars>
       </dgm:prSet>
       <dgm:spPr/>
+      <dgm:t>
+        <a:bodyPr/>
+        <a:lstStyle/>
+        <a:p>
+          <a:endParaRPr lang="zh-CN" altLang="en-US"/>
+        </a:p>
+      </dgm:t>
     </dgm:pt>
     <dgm:pt modelId="{8E38E896-A289-E249-A9B1-278B5992C40F}" type="pres">
       <dgm:prSet presAssocID="{8FB6B775-EBF4-4F4A-B1BE-0B2648F92F12}" presName="accent_1" presStyleCnt="0"/>
@@ -6729,6 +6867,13 @@
         </dgm:presLayoutVars>
       </dgm:prSet>
       <dgm:spPr/>
+      <dgm:t>
+        <a:bodyPr/>
+        <a:lstStyle/>
+        <a:p>
+          <a:endParaRPr lang="zh-CN" altLang="en-US"/>
+        </a:p>
+      </dgm:t>
     </dgm:pt>
     <dgm:pt modelId="{EDC18349-1688-E947-B673-23D77E4999E0}" type="pres">
       <dgm:prSet presAssocID="{75DAE2CF-F193-814D-BF03-F3004A1A4DC2}" presName="accent_2" presStyleCnt="0"/>
@@ -6745,6 +6890,13 @@
         </dgm:presLayoutVars>
       </dgm:prSet>
       <dgm:spPr/>
+      <dgm:t>
+        <a:bodyPr/>
+        <a:lstStyle/>
+        <a:p>
+          <a:endParaRPr lang="zh-CN" altLang="en-US"/>
+        </a:p>
+      </dgm:t>
     </dgm:pt>
     <dgm:pt modelId="{1F174686-6B7B-034E-BFDF-E1BE67C6A285}" type="pres">
       <dgm:prSet presAssocID="{36E6EAE0-2B22-E04F-8D07-86FDC7157174}" presName="accent_3" presStyleCnt="0"/>
@@ -6757,8 +6909,8 @@
   </dgm:ptLst>
   <dgm:cxnLst>
     <dgm:cxn modelId="{DD5E9CC7-3F91-CE41-AE1D-1821F2F71463}" srcId="{72EE35B5-82AF-4947-86C4-3A151B0A0781}" destId="{75DAE2CF-F193-814D-BF03-F3004A1A4DC2}" srcOrd="1" destOrd="0" parTransId="{6EF5C43D-A6ED-D04B-94E0-7BF7D9BCB9C1}" sibTransId="{AC332F82-82D0-4E41-BF34-B982A840927B}"/>
+    <dgm:cxn modelId="{98074400-6A77-0A49-8B6D-3287B2179394}" type="presOf" srcId="{72EE35B5-82AF-4947-86C4-3A151B0A0781}" destId="{A2E598EB-E419-E841-9671-1F9AD2C59566}" srcOrd="0" destOrd="0" presId="urn:microsoft.com/office/officeart/2008/layout/VerticalCurvedList"/>
     <dgm:cxn modelId="{5A989097-D296-5140-8903-A289F118E682}" srcId="{72EE35B5-82AF-4947-86C4-3A151B0A0781}" destId="{8FB6B775-EBF4-4F4A-B1BE-0B2648F92F12}" srcOrd="0" destOrd="0" parTransId="{92F59A44-D39F-804C-BB69-32A40FE695CC}" sibTransId="{E21CF7F6-79C8-254E-A0F0-9635FFB4500D}"/>
-    <dgm:cxn modelId="{98074400-6A77-0A49-8B6D-3287B2179394}" type="presOf" srcId="{72EE35B5-82AF-4947-86C4-3A151B0A0781}" destId="{A2E598EB-E419-E841-9671-1F9AD2C59566}" srcOrd="0" destOrd="0" presId="urn:microsoft.com/office/officeart/2008/layout/VerticalCurvedList"/>
     <dgm:cxn modelId="{DD6E278F-1755-B749-A7CB-6F5F15567E8E}" type="presOf" srcId="{75DAE2CF-F193-814D-BF03-F3004A1A4DC2}" destId="{07845FE2-410D-704B-B661-572B6E2702D9}" srcOrd="0" destOrd="0" presId="urn:microsoft.com/office/officeart/2008/layout/VerticalCurvedList"/>
     <dgm:cxn modelId="{554EF16C-6945-7A4E-B035-5D0B603A7276}" type="presOf" srcId="{8FB6B775-EBF4-4F4A-B1BE-0B2648F92F12}" destId="{60FF6ACB-8727-C846-B0BD-C56DC43A0EE0}" srcOrd="0" destOrd="0" presId="urn:microsoft.com/office/officeart/2008/layout/VerticalCurvedList"/>
     <dgm:cxn modelId="{18513B42-173D-AF4F-A3AD-921A825E88BD}" type="presOf" srcId="{36E6EAE0-2B22-E04F-8D07-86FDC7157174}" destId="{21D0D617-F81D-9A46-B5EE-65C9D12A339B}" srcOrd="0" destOrd="0" presId="urn:microsoft.com/office/officeart/2008/layout/VerticalCurvedList"/>
@@ -7111,6 +7263,13 @@
         </dgm:presLayoutVars>
       </dgm:prSet>
       <dgm:spPr/>
+      <dgm:t>
+        <a:bodyPr/>
+        <a:lstStyle/>
+        <a:p>
+          <a:endParaRPr lang="zh-CN" altLang="en-US"/>
+        </a:p>
+      </dgm:t>
     </dgm:pt>
     <dgm:pt modelId="{614950E6-B002-1B44-8FEE-28AF16DD8EEA}" type="pres">
       <dgm:prSet presAssocID="{CCEA7572-FDE6-3649-B56A-67C43259635B}" presName="centerShape" presStyleLbl="node0" presStyleIdx="0" presStyleCnt="1"/>
@@ -7130,6 +7289,13 @@
         </dgm:presLayoutVars>
       </dgm:prSet>
       <dgm:spPr/>
+      <dgm:t>
+        <a:bodyPr/>
+        <a:lstStyle/>
+        <a:p>
+          <a:endParaRPr lang="zh-CN" altLang="en-US"/>
+        </a:p>
+      </dgm:t>
     </dgm:pt>
     <dgm:pt modelId="{C8E65B2B-5490-EC42-A263-40270A537CF4}" type="pres">
       <dgm:prSet presAssocID="{2DBA87F4-5389-ED4B-886C-75A44CB7CCFA}" presName="dummy" presStyleCnt="0"/>
@@ -7138,6 +7304,13 @@
     <dgm:pt modelId="{38D86453-A021-484B-AD3F-CCD27E4F542B}" type="pres">
       <dgm:prSet presAssocID="{87408E38-10F4-CF4A-A96A-B6C0367BF2CC}" presName="sibTrans" presStyleLbl="sibTrans2D1" presStyleIdx="0" presStyleCnt="4"/>
       <dgm:spPr/>
+      <dgm:t>
+        <a:bodyPr/>
+        <a:lstStyle/>
+        <a:p>
+          <a:endParaRPr lang="zh-CN" altLang="en-US"/>
+        </a:p>
+      </dgm:t>
     </dgm:pt>
     <dgm:pt modelId="{AEA300E0-D94B-D144-B60D-01DE07773991}" type="pres">
       <dgm:prSet presAssocID="{D3427D5C-B0BC-4B4A-94B3-8D03A0E74E82}" presName="node" presStyleLbl="node1" presStyleIdx="1" presStyleCnt="4">
@@ -7146,6 +7319,13 @@
         </dgm:presLayoutVars>
       </dgm:prSet>
       <dgm:spPr/>
+      <dgm:t>
+        <a:bodyPr/>
+        <a:lstStyle/>
+        <a:p>
+          <a:endParaRPr lang="zh-CN" altLang="en-US"/>
+        </a:p>
+      </dgm:t>
     </dgm:pt>
     <dgm:pt modelId="{E9C864CE-0D1C-4047-A76B-1518F31A5CC8}" type="pres">
       <dgm:prSet presAssocID="{D3427D5C-B0BC-4B4A-94B3-8D03A0E74E82}" presName="dummy" presStyleCnt="0"/>
@@ -7154,6 +7334,13 @@
     <dgm:pt modelId="{BC4BD01C-DC59-0D48-878D-2458C39854B3}" type="pres">
       <dgm:prSet presAssocID="{C9377AFA-7D8F-1549-B6E2-A4577B357569}" presName="sibTrans" presStyleLbl="sibTrans2D1" presStyleIdx="1" presStyleCnt="4"/>
       <dgm:spPr/>
+      <dgm:t>
+        <a:bodyPr/>
+        <a:lstStyle/>
+        <a:p>
+          <a:endParaRPr lang="zh-CN" altLang="en-US"/>
+        </a:p>
+      </dgm:t>
     </dgm:pt>
     <dgm:pt modelId="{A3C20295-8C0E-864E-82BA-825EE494A4DD}" type="pres">
       <dgm:prSet presAssocID="{38AE747B-4D8F-2E47-AD01-CF00D9FFF0D6}" presName="node" presStyleLbl="node1" presStyleIdx="2" presStyleCnt="4">
@@ -7162,6 +7349,13 @@
         </dgm:presLayoutVars>
       </dgm:prSet>
       <dgm:spPr/>
+      <dgm:t>
+        <a:bodyPr/>
+        <a:lstStyle/>
+        <a:p>
+          <a:endParaRPr lang="zh-CN" altLang="en-US"/>
+        </a:p>
+      </dgm:t>
     </dgm:pt>
     <dgm:pt modelId="{6E9B05DD-10FF-334F-829E-204CE3F331B8}" type="pres">
       <dgm:prSet presAssocID="{38AE747B-4D8F-2E47-AD01-CF00D9FFF0D6}" presName="dummy" presStyleCnt="0"/>
@@ -7170,6 +7364,13 @@
     <dgm:pt modelId="{4D398B13-C734-D843-AED2-B72D626C4520}" type="pres">
       <dgm:prSet presAssocID="{CA8DD230-20D4-514A-98A0-50DB97C0146C}" presName="sibTrans" presStyleLbl="sibTrans2D1" presStyleIdx="2" presStyleCnt="4"/>
       <dgm:spPr/>
+      <dgm:t>
+        <a:bodyPr/>
+        <a:lstStyle/>
+        <a:p>
+          <a:endParaRPr lang="zh-CN" altLang="en-US"/>
+        </a:p>
+      </dgm:t>
     </dgm:pt>
     <dgm:pt modelId="{2C7FCE5E-CA75-4740-82FF-1FDA18487513}" type="pres">
       <dgm:prSet presAssocID="{AB278638-6665-1640-9E5F-246F2F642E64}" presName="node" presStyleLbl="node1" presStyleIdx="3" presStyleCnt="4">
@@ -7178,6 +7379,13 @@
         </dgm:presLayoutVars>
       </dgm:prSet>
       <dgm:spPr/>
+      <dgm:t>
+        <a:bodyPr/>
+        <a:lstStyle/>
+        <a:p>
+          <a:endParaRPr lang="zh-CN" altLang="en-US"/>
+        </a:p>
+      </dgm:t>
     </dgm:pt>
     <dgm:pt modelId="{476884E3-7DBA-1F46-BD9E-B1664340514B}" type="pres">
       <dgm:prSet presAssocID="{AB278638-6665-1640-9E5F-246F2F642E64}" presName="dummy" presStyleCnt="0"/>
@@ -7186,6 +7394,13 @@
     <dgm:pt modelId="{BFBBE951-D38A-A642-9867-7AEC173878A7}" type="pres">
       <dgm:prSet presAssocID="{D91FDB81-2541-5041-A4E8-3FD76816680D}" presName="sibTrans" presStyleLbl="sibTrans2D1" presStyleIdx="3" presStyleCnt="4"/>
       <dgm:spPr/>
+      <dgm:t>
+        <a:bodyPr/>
+        <a:lstStyle/>
+        <a:p>
+          <a:endParaRPr lang="zh-CN" altLang="en-US"/>
+        </a:p>
+      </dgm:t>
     </dgm:pt>
   </dgm:ptLst>
   <dgm:cxnLst>
@@ -7195,8 +7410,8 @@
     <dgm:cxn modelId="{88AE1001-BBA3-FB45-B49F-9CE63E4762BE}" srcId="{B830F52E-8F52-174B-BB04-99280B9A961E}" destId="{CCEA7572-FDE6-3649-B56A-67C43259635B}" srcOrd="0" destOrd="0" parTransId="{6D6DA94C-C041-C549-8D48-2E3F54AA3244}" sibTransId="{D68074EF-CC7C-B848-AC5C-68000F7C4175}"/>
     <dgm:cxn modelId="{ED71CD0D-C5DE-C04A-BF24-0EFFE1167D07}" srcId="{CCEA7572-FDE6-3649-B56A-67C43259635B}" destId="{2DBA87F4-5389-ED4B-886C-75A44CB7CCFA}" srcOrd="0" destOrd="0" parTransId="{EBD63CC7-A86D-E042-9701-F9CB90C8FBA6}" sibTransId="{87408E38-10F4-CF4A-A96A-B6C0367BF2CC}"/>
     <dgm:cxn modelId="{2C0B3F65-CBAC-804B-B00A-98FB25A509E6}" type="presOf" srcId="{87408E38-10F4-CF4A-A96A-B6C0367BF2CC}" destId="{38D86453-A021-484B-AD3F-CCD27E4F542B}" srcOrd="0" destOrd="0" presId="urn:microsoft.com/office/officeart/2005/8/layout/radial6"/>
+    <dgm:cxn modelId="{27CB02CC-7422-D14A-A488-5BAA82ACE83D}" type="presOf" srcId="{D3427D5C-B0BC-4B4A-94B3-8D03A0E74E82}" destId="{AEA300E0-D94B-D144-B60D-01DE07773991}" srcOrd="0" destOrd="0" presId="urn:microsoft.com/office/officeart/2005/8/layout/radial6"/>
     <dgm:cxn modelId="{5EE005DE-1B56-B544-AE0F-D2D027F83CF5}" type="presOf" srcId="{AB278638-6665-1640-9E5F-246F2F642E64}" destId="{2C7FCE5E-CA75-4740-82FF-1FDA18487513}" srcOrd="0" destOrd="0" presId="urn:microsoft.com/office/officeart/2005/8/layout/radial6"/>
-    <dgm:cxn modelId="{27CB02CC-7422-D14A-A488-5BAA82ACE83D}" type="presOf" srcId="{D3427D5C-B0BC-4B4A-94B3-8D03A0E74E82}" destId="{AEA300E0-D94B-D144-B60D-01DE07773991}" srcOrd="0" destOrd="0" presId="urn:microsoft.com/office/officeart/2005/8/layout/radial6"/>
     <dgm:cxn modelId="{B5621909-451A-7244-9E60-62C437F8FD18}" type="presOf" srcId="{CCEA7572-FDE6-3649-B56A-67C43259635B}" destId="{614950E6-B002-1B44-8FEE-28AF16DD8EEA}" srcOrd="0" destOrd="0" presId="urn:microsoft.com/office/officeart/2005/8/layout/radial6"/>
     <dgm:cxn modelId="{7D010BB6-6E2F-5942-B41B-5507620C823B}" type="presOf" srcId="{D91FDB81-2541-5041-A4E8-3FD76816680D}" destId="{BFBBE951-D38A-A642-9867-7AEC173878A7}" srcOrd="0" destOrd="0" presId="urn:microsoft.com/office/officeart/2005/8/layout/radial6"/>
     <dgm:cxn modelId="{57D92AF3-6B68-FA45-AF4D-6B6AD118E0C3}" type="presOf" srcId="{2DBA87F4-5389-ED4B-886C-75A44CB7CCFA}" destId="{4B76F191-54C0-2A4C-BBB7-EDAA71BEF964}" srcOrd="0" destOrd="0" presId="urn:microsoft.com/office/officeart/2005/8/layout/radial6"/>
@@ -7411,6 +7626,13 @@
         </dgm:presLayoutVars>
       </dgm:prSet>
       <dgm:spPr/>
+      <dgm:t>
+        <a:bodyPr/>
+        <a:lstStyle/>
+        <a:p>
+          <a:endParaRPr lang="zh-CN" altLang="en-US"/>
+        </a:p>
+      </dgm:t>
     </dgm:pt>
     <dgm:pt modelId="{14B2420C-137D-B748-AFBC-268F3C808E00}" type="pres">
       <dgm:prSet presAssocID="{49191617-0A5A-C243-B23E-BBEF0930B1E2}" presName="cycle" presStyleCnt="0"/>
@@ -7435,6 +7657,13 @@
     <dgm:pt modelId="{4FE80B0A-2AB6-7744-931D-9C92645C6738}" type="pres">
       <dgm:prSet presAssocID="{1851D95D-C316-1C4E-9828-92CD92A14FD0}" presName="Name25" presStyleLbl="parChTrans1D1" presStyleIdx="0" presStyleCnt="3"/>
       <dgm:spPr/>
+      <dgm:t>
+        <a:bodyPr/>
+        <a:lstStyle/>
+        <a:p>
+          <a:endParaRPr lang="zh-CN" altLang="en-US"/>
+        </a:p>
+      </dgm:t>
     </dgm:pt>
     <dgm:pt modelId="{A7B296F6-8EB4-E640-9A20-BCC46585AE04}" type="pres">
       <dgm:prSet presAssocID="{B19F215F-6982-C34A-8AE9-3DD13DB2D5D0}" presName="node" presStyleCnt="0"/>
@@ -7474,6 +7703,13 @@
     <dgm:pt modelId="{9BF7D6D0-9F96-2443-9038-193E285AB96F}" type="pres">
       <dgm:prSet presAssocID="{A79ECF71-EFF7-E347-9880-56EC1133AD91}" presName="Name25" presStyleLbl="parChTrans1D1" presStyleIdx="1" presStyleCnt="3"/>
       <dgm:spPr/>
+      <dgm:t>
+        <a:bodyPr/>
+        <a:lstStyle/>
+        <a:p>
+          <a:endParaRPr lang="zh-CN" altLang="en-US"/>
+        </a:p>
+      </dgm:t>
     </dgm:pt>
     <dgm:pt modelId="{B2274030-827E-2042-810E-442B915B3037}" type="pres">
       <dgm:prSet presAssocID="{BE8DB009-7AB7-0347-AE40-64ADC076613E}" presName="node" presStyleCnt="0"/>
@@ -7487,6 +7723,13 @@
         </dgm:presLayoutVars>
       </dgm:prSet>
       <dgm:spPr/>
+      <dgm:t>
+        <a:bodyPr/>
+        <a:lstStyle/>
+        <a:p>
+          <a:endParaRPr lang="zh-CN" altLang="en-US"/>
+        </a:p>
+      </dgm:t>
     </dgm:pt>
     <dgm:pt modelId="{4E564BDE-B555-3644-9E4E-AF8C2125CB24}" type="pres">
       <dgm:prSet presAssocID="{BE8DB009-7AB7-0347-AE40-64ADC076613E}" presName="childNode" presStyleLbl="revTx" presStyleIdx="0" presStyleCnt="0">
@@ -7506,6 +7749,13 @@
     <dgm:pt modelId="{E874433B-C03B-DF4B-8A54-F3C051C2820F}" type="pres">
       <dgm:prSet presAssocID="{8B46F583-6EFD-8446-B5A3-E8C8D583B383}" presName="Name25" presStyleLbl="parChTrans1D1" presStyleIdx="2" presStyleCnt="3"/>
       <dgm:spPr/>
+      <dgm:t>
+        <a:bodyPr/>
+        <a:lstStyle/>
+        <a:p>
+          <a:endParaRPr lang="zh-CN" altLang="en-US"/>
+        </a:p>
+      </dgm:t>
     </dgm:pt>
     <dgm:pt modelId="{251D821E-93A1-024C-AE03-DF4D00B663E0}" type="pres">
       <dgm:prSet presAssocID="{CD478034-8C20-DE4B-93F4-332EBF8C5A7F}" presName="node" presStyleCnt="0"/>
@@ -7545,15 +7795,15 @@
   </dgm:ptLst>
   <dgm:cxnLst>
     <dgm:cxn modelId="{61A19B22-AFD4-F146-8D26-2C3C096319AE}" srcId="{49191617-0A5A-C243-B23E-BBEF0930B1E2}" destId="{CD478034-8C20-DE4B-93F4-332EBF8C5A7F}" srcOrd="2" destOrd="0" parTransId="{8B46F583-6EFD-8446-B5A3-E8C8D583B383}" sibTransId="{E4CB6BE6-5E43-5049-BB6A-4D182CEE8D14}"/>
+    <dgm:cxn modelId="{DDAD3EA4-95BC-1944-A053-BB57EC9CDFF1}" srcId="{49191617-0A5A-C243-B23E-BBEF0930B1E2}" destId="{BE8DB009-7AB7-0347-AE40-64ADC076613E}" srcOrd="1" destOrd="0" parTransId="{A79ECF71-EFF7-E347-9880-56EC1133AD91}" sibTransId="{5092AEB9-2F32-7E49-BB68-127F0F4CF922}"/>
+    <dgm:cxn modelId="{D8BF3E68-AEE8-0F48-B832-160601378BB1}" type="presOf" srcId="{B19F215F-6982-C34A-8AE9-3DD13DB2D5D0}" destId="{7B59CECD-68CA-CE40-BBFF-FA5D2B5DEA6B}" srcOrd="0" destOrd="0" presId="urn:microsoft.com/office/officeart/2005/8/layout/radial2"/>
+    <dgm:cxn modelId="{93CA92B3-A302-2942-9EC4-1233B8CF8F1A}" type="presOf" srcId="{49191617-0A5A-C243-B23E-BBEF0930B1E2}" destId="{EFD51605-309A-264E-A2D0-1AB5180BDBDA}" srcOrd="0" destOrd="0" presId="urn:microsoft.com/office/officeart/2005/8/layout/radial2"/>
+    <dgm:cxn modelId="{91E38267-C419-E245-92D5-78D62138DC73}" type="presOf" srcId="{8B46F583-6EFD-8446-B5A3-E8C8D583B383}" destId="{E874433B-C03B-DF4B-8A54-F3C051C2820F}" srcOrd="0" destOrd="0" presId="urn:microsoft.com/office/officeart/2005/8/layout/radial2"/>
+    <dgm:cxn modelId="{323266E0-3739-0744-B33A-981343917517}" type="presOf" srcId="{1851D95D-C316-1C4E-9828-92CD92A14FD0}" destId="{4FE80B0A-2AB6-7744-931D-9C92645C6738}" srcOrd="0" destOrd="0" presId="urn:microsoft.com/office/officeart/2005/8/layout/radial2"/>
+    <dgm:cxn modelId="{C0CAEAF0-4B77-5D43-B7FE-937177291471}" type="presOf" srcId="{A79ECF71-EFF7-E347-9880-56EC1133AD91}" destId="{9BF7D6D0-9F96-2443-9038-193E285AB96F}" srcOrd="0" destOrd="0" presId="urn:microsoft.com/office/officeart/2005/8/layout/radial2"/>
+    <dgm:cxn modelId="{A47E60DE-E986-AE4D-A958-7DCDE43BCB12}" type="presOf" srcId="{CD478034-8C20-DE4B-93F4-332EBF8C5A7F}" destId="{1D63881A-6120-0E41-BF22-BBB55E22A250}" srcOrd="0" destOrd="0" presId="urn:microsoft.com/office/officeart/2005/8/layout/radial2"/>
     <dgm:cxn modelId="{C8C4158D-4D1D-9447-8239-A54FD57A05D8}" srcId="{49191617-0A5A-C243-B23E-BBEF0930B1E2}" destId="{B19F215F-6982-C34A-8AE9-3DD13DB2D5D0}" srcOrd="0" destOrd="0" parTransId="{1851D95D-C316-1C4E-9828-92CD92A14FD0}" sibTransId="{AADA2D5D-49E5-934C-A12C-029DA07E35A2}"/>
     <dgm:cxn modelId="{E4A02E04-8C18-D44D-BCF5-04E8EB5AB0D8}" type="presOf" srcId="{BE8DB009-7AB7-0347-AE40-64ADC076613E}" destId="{71B337D3-CDCD-0E49-B3B9-F0F364C7FF19}" srcOrd="0" destOrd="0" presId="urn:microsoft.com/office/officeart/2005/8/layout/radial2"/>
-    <dgm:cxn modelId="{C0CAEAF0-4B77-5D43-B7FE-937177291471}" type="presOf" srcId="{A79ECF71-EFF7-E347-9880-56EC1133AD91}" destId="{9BF7D6D0-9F96-2443-9038-193E285AB96F}" srcOrd="0" destOrd="0" presId="urn:microsoft.com/office/officeart/2005/8/layout/radial2"/>
-    <dgm:cxn modelId="{D8BF3E68-AEE8-0F48-B832-160601378BB1}" type="presOf" srcId="{B19F215F-6982-C34A-8AE9-3DD13DB2D5D0}" destId="{7B59CECD-68CA-CE40-BBFF-FA5D2B5DEA6B}" srcOrd="0" destOrd="0" presId="urn:microsoft.com/office/officeart/2005/8/layout/radial2"/>
-    <dgm:cxn modelId="{DDAD3EA4-95BC-1944-A053-BB57EC9CDFF1}" srcId="{49191617-0A5A-C243-B23E-BBEF0930B1E2}" destId="{BE8DB009-7AB7-0347-AE40-64ADC076613E}" srcOrd="1" destOrd="0" parTransId="{A79ECF71-EFF7-E347-9880-56EC1133AD91}" sibTransId="{5092AEB9-2F32-7E49-BB68-127F0F4CF922}"/>
-    <dgm:cxn modelId="{93CA92B3-A302-2942-9EC4-1233B8CF8F1A}" type="presOf" srcId="{49191617-0A5A-C243-B23E-BBEF0930B1E2}" destId="{EFD51605-309A-264E-A2D0-1AB5180BDBDA}" srcOrd="0" destOrd="0" presId="urn:microsoft.com/office/officeart/2005/8/layout/radial2"/>
-    <dgm:cxn modelId="{323266E0-3739-0744-B33A-981343917517}" type="presOf" srcId="{1851D95D-C316-1C4E-9828-92CD92A14FD0}" destId="{4FE80B0A-2AB6-7744-931D-9C92645C6738}" srcOrd="0" destOrd="0" presId="urn:microsoft.com/office/officeart/2005/8/layout/radial2"/>
-    <dgm:cxn modelId="{A47E60DE-E986-AE4D-A958-7DCDE43BCB12}" type="presOf" srcId="{CD478034-8C20-DE4B-93F4-332EBF8C5A7F}" destId="{1D63881A-6120-0E41-BF22-BBB55E22A250}" srcOrd="0" destOrd="0" presId="urn:microsoft.com/office/officeart/2005/8/layout/radial2"/>
-    <dgm:cxn modelId="{91E38267-C419-E245-92D5-78D62138DC73}" type="presOf" srcId="{8B46F583-6EFD-8446-B5A3-E8C8D583B383}" destId="{E874433B-C03B-DF4B-8A54-F3C051C2820F}" srcOrd="0" destOrd="0" presId="urn:microsoft.com/office/officeart/2005/8/layout/radial2"/>
     <dgm:cxn modelId="{9EEEECAA-A8AE-5040-94D3-570DAADF0A1C}" type="presParOf" srcId="{EFD51605-309A-264E-A2D0-1AB5180BDBDA}" destId="{14B2420C-137D-B748-AFBC-268F3C808E00}" srcOrd="0" destOrd="0" presId="urn:microsoft.com/office/officeart/2005/8/layout/radial2"/>
     <dgm:cxn modelId="{88C829E8-8CFA-AE43-A208-3F07F83AEA2C}" type="presParOf" srcId="{14B2420C-137D-B748-AFBC-268F3C808E00}" destId="{32411FC0-1CD3-3947-86E9-9B68D8E81314}" srcOrd="0" destOrd="0" presId="urn:microsoft.com/office/officeart/2005/8/layout/radial2"/>
     <dgm:cxn modelId="{B8650E1B-999F-6544-90AA-65E1D33B93B7}" type="presParOf" srcId="{32411FC0-1CD3-3947-86E9-9B68D8E81314}" destId="{4C1AAB09-D14F-8B44-BD1C-2A411A7F25DD}" srcOrd="0" destOrd="0" presId="urn:microsoft.com/office/officeart/2005/8/layout/radial2"/>
@@ -7839,6 +8089,13 @@
         </dgm:presLayoutVars>
       </dgm:prSet>
       <dgm:spPr/>
+      <dgm:t>
+        <a:bodyPr/>
+        <a:lstStyle/>
+        <a:p>
+          <a:endParaRPr lang="zh-CN" altLang="en-US"/>
+        </a:p>
+      </dgm:t>
     </dgm:pt>
     <dgm:pt modelId="{8ED94FE4-66E7-8145-BBE8-FC155FB3265C}" type="pres">
       <dgm:prSet presAssocID="{9BEEEBBF-F18D-7F40-87EB-0B0F1DD6A2C6}" presName="compNode" presStyleCnt="0"/>
@@ -7866,10 +8123,24 @@
         </dgm:presLayoutVars>
       </dgm:prSet>
       <dgm:spPr/>
+      <dgm:t>
+        <a:bodyPr/>
+        <a:lstStyle/>
+        <a:p>
+          <a:endParaRPr lang="zh-CN" altLang="en-US"/>
+        </a:p>
+      </dgm:t>
     </dgm:pt>
     <dgm:pt modelId="{48A7D7FD-A4F6-E844-913A-8CC6FA0E5FE0}" type="pres">
       <dgm:prSet presAssocID="{636BF5AF-E6D5-DC46-80D1-4AA49B9F84D2}" presName="sibTrans" presStyleLbl="sibTrans2D1" presStyleIdx="0" presStyleCnt="0"/>
       <dgm:spPr/>
+      <dgm:t>
+        <a:bodyPr/>
+        <a:lstStyle/>
+        <a:p>
+          <a:endParaRPr lang="zh-CN" altLang="en-US"/>
+        </a:p>
+      </dgm:t>
     </dgm:pt>
     <dgm:pt modelId="{B621BBD4-061B-C840-B1E2-D4861B12D00C}" type="pres">
       <dgm:prSet presAssocID="{07602DE4-B548-A040-87C8-63871E5E1B7D}" presName="compNode" presStyleCnt="0"/>
@@ -7890,10 +8161,24 @@
         </dgm:presLayoutVars>
       </dgm:prSet>
       <dgm:spPr/>
+      <dgm:t>
+        <a:bodyPr/>
+        <a:lstStyle/>
+        <a:p>
+          <a:endParaRPr lang="zh-CN" altLang="en-US"/>
+        </a:p>
+      </dgm:t>
     </dgm:pt>
     <dgm:pt modelId="{B4C50528-30AA-B44E-88E2-6ACC5E03AE76}" type="pres">
       <dgm:prSet presAssocID="{AC8CDAC9-E88B-C04B-A6DA-E887784EA39B}" presName="sibTrans" presStyleLbl="sibTrans2D1" presStyleIdx="0" presStyleCnt="0"/>
       <dgm:spPr/>
+      <dgm:t>
+        <a:bodyPr/>
+        <a:lstStyle/>
+        <a:p>
+          <a:endParaRPr lang="zh-CN" altLang="en-US"/>
+        </a:p>
+      </dgm:t>
     </dgm:pt>
     <dgm:pt modelId="{E471AA6B-311B-8643-B06B-CDE521308D36}" type="pres">
       <dgm:prSet presAssocID="{E10B53DD-3F48-C943-B114-C64E99CBB9CE}" presName="compNode" presStyleCnt="0"/>
@@ -7914,10 +8199,24 @@
         </dgm:presLayoutVars>
       </dgm:prSet>
       <dgm:spPr/>
+      <dgm:t>
+        <a:bodyPr/>
+        <a:lstStyle/>
+        <a:p>
+          <a:endParaRPr lang="zh-CN" altLang="en-US"/>
+        </a:p>
+      </dgm:t>
     </dgm:pt>
     <dgm:pt modelId="{16999ED0-377B-C245-990C-8E7B71A42AE6}" type="pres">
       <dgm:prSet presAssocID="{18661244-08BE-FC49-83EC-9B29585C660E}" presName="sibTrans" presStyleLbl="sibTrans2D1" presStyleIdx="0" presStyleCnt="0"/>
       <dgm:spPr/>
+      <dgm:t>
+        <a:bodyPr/>
+        <a:lstStyle/>
+        <a:p>
+          <a:endParaRPr lang="zh-CN" altLang="en-US"/>
+        </a:p>
+      </dgm:t>
     </dgm:pt>
     <dgm:pt modelId="{8A52B0A9-26DA-054D-AD08-BF3DB4D36C91}" type="pres">
       <dgm:prSet presAssocID="{1141789B-B491-6D4B-89ED-AA0B7D20A5F4}" presName="compNode" presStyleCnt="0"/>
@@ -7938,6 +8237,13 @@
         </dgm:presLayoutVars>
       </dgm:prSet>
       <dgm:spPr/>
+      <dgm:t>
+        <a:bodyPr/>
+        <a:lstStyle/>
+        <a:p>
+          <a:endParaRPr lang="zh-CN" altLang="en-US"/>
+        </a:p>
+      </dgm:t>
     </dgm:pt>
   </dgm:ptLst>
   <dgm:cxnLst>
@@ -7951,8 +8257,8 @@
     <dgm:cxn modelId="{52C5599B-5349-B04E-AD81-52796944C8A5}" srcId="{E6EB3B30-1A44-334D-A8D2-798F31C5D382}" destId="{07602DE4-B548-A040-87C8-63871E5E1B7D}" srcOrd="1" destOrd="0" parTransId="{6AE870BD-EB11-ED48-96C0-7069B7D8E9E4}" sibTransId="{AC8CDAC9-E88B-C04B-A6DA-E887784EA39B}"/>
     <dgm:cxn modelId="{F62A1C49-C263-3B41-9AA4-9E7A1D0DD6CD}" type="presOf" srcId="{9BEEEBBF-F18D-7F40-87EB-0B0F1DD6A2C6}" destId="{DF265FFA-0CFA-564A-8D04-3F2BDB14EFB1}" srcOrd="0" destOrd="0" presId="urn:microsoft.com/office/officeart/2005/8/layout/pList1"/>
     <dgm:cxn modelId="{EA75881B-BB9E-2044-BFB8-FB68CF4CB8B5}" type="presOf" srcId="{AC8CDAC9-E88B-C04B-A6DA-E887784EA39B}" destId="{B4C50528-30AA-B44E-88E2-6ACC5E03AE76}" srcOrd="0" destOrd="0" presId="urn:microsoft.com/office/officeart/2005/8/layout/pList1"/>
+    <dgm:cxn modelId="{0329D7EF-6DCC-2C49-A3D7-A3364F4B9F6B}" type="presOf" srcId="{18661244-08BE-FC49-83EC-9B29585C660E}" destId="{16999ED0-377B-C245-990C-8E7B71A42AE6}" srcOrd="0" destOrd="0" presId="urn:microsoft.com/office/officeart/2005/8/layout/pList1"/>
     <dgm:cxn modelId="{75CF4292-49E2-2F46-801F-400F0556EB97}" type="presOf" srcId="{1141789B-B491-6D4B-89ED-AA0B7D20A5F4}" destId="{9F618167-61CE-F14E-8CE1-AE1A3802C943}" srcOrd="0" destOrd="0" presId="urn:microsoft.com/office/officeart/2005/8/layout/pList1"/>
-    <dgm:cxn modelId="{0329D7EF-6DCC-2C49-A3D7-A3364F4B9F6B}" type="presOf" srcId="{18661244-08BE-FC49-83EC-9B29585C660E}" destId="{16999ED0-377B-C245-990C-8E7B71A42AE6}" srcOrd="0" destOrd="0" presId="urn:microsoft.com/office/officeart/2005/8/layout/pList1"/>
     <dgm:cxn modelId="{D5FA9B1B-1642-4E43-853F-124D9631A07E}" type="presParOf" srcId="{A3AA73C0-AA7D-DF42-B39D-CD6380104905}" destId="{8ED94FE4-66E7-8145-BBE8-FC155FB3265C}" srcOrd="0" destOrd="0" presId="urn:microsoft.com/office/officeart/2005/8/layout/pList1"/>
     <dgm:cxn modelId="{2540C6C5-61F4-FF44-9647-928606007C25}" type="presParOf" srcId="{8ED94FE4-66E7-8145-BBE8-FC155FB3265C}" destId="{758F3742-5AFA-0A48-A2F1-3E4660290A04}" srcOrd="0" destOrd="0" presId="urn:microsoft.com/office/officeart/2005/8/layout/pList1"/>
     <dgm:cxn modelId="{583A10E9-238B-9C4D-9492-E7D40CD1609F}" type="presParOf" srcId="{8ED94FE4-66E7-8145-BBE8-FC155FB3265C}" destId="{DF265FFA-0CFA-564A-8D04-3F2BDB14EFB1}" srcOrd="1" destOrd="0" presId="urn:microsoft.com/office/officeart/2005/8/layout/pList1"/>
@@ -7983,7 +8289,7 @@
 <dgm:dataModel xmlns:dgm="http://schemas.openxmlformats.org/drawingml/2006/diagram" xmlns:a="http://schemas.openxmlformats.org/drawingml/2006/main">
   <dgm:ptLst>
     <dgm:pt modelId="{CF8AAAE6-7AFC-7148-BA7A-AFD4A2320AC0}" type="doc">
-      <dgm:prSet loTypeId="urn:microsoft.com/office/officeart/2005/8/layout/radial3" loCatId="" qsTypeId="urn:microsoft.com/office/officeart/2005/8/quickstyle/simple2" qsCatId="simple" csTypeId="urn:microsoft.com/office/officeart/2005/8/colors/accent2_1" csCatId="accent2" phldr="1"/>
+      <dgm:prSet loTypeId="urn:microsoft.com/office/officeart/2005/8/layout/radial3" loCatId="" qsTypeId="urn:microsoft.com/office/officeart/2005/8/quickstyle/simple2" qsCatId="simple" csTypeId="urn:microsoft.com/office/officeart/2005/8/colors/colorful1" csCatId="colorful" phldr="1"/>
       <dgm:spPr/>
       <dgm:t>
         <a:bodyPr/>
@@ -8002,6 +8308,9 @@
         <a:p>
           <a:r>
             <a:rPr lang="zh-CN" altLang="en-US" dirty="0" smtClean="0">
+              <a:solidFill>
+                <a:schemeClr val="bg1"/>
+              </a:solidFill>
               <a:latin typeface="Microsoft YaHei" charset="0"/>
               <a:ea typeface="Microsoft YaHei" charset="0"/>
               <a:cs typeface="Microsoft YaHei" charset="0"/>
@@ -8009,6 +8318,9 @@
             <a:t>微服务网关</a:t>
           </a:r>
           <a:endParaRPr lang="zh-CN" altLang="en-US" dirty="0">
+            <a:solidFill>
+              <a:schemeClr val="bg1"/>
+            </a:solidFill>
             <a:latin typeface="Microsoft YaHei" charset="0"/>
             <a:ea typeface="Microsoft YaHei" charset="0"/>
             <a:cs typeface="Microsoft YaHei" charset="0"/>
@@ -8055,6 +8367,9 @@
         <a:p>
           <a:r>
             <a:rPr lang="zh-CN" altLang="en-US" dirty="0" smtClean="0">
+              <a:solidFill>
+                <a:schemeClr val="bg1"/>
+              </a:solidFill>
               <a:latin typeface="Microsoft YaHei" charset="0"/>
               <a:ea typeface="Microsoft YaHei" charset="0"/>
               <a:cs typeface="Microsoft YaHei" charset="0"/>
@@ -8062,6 +8377,9 @@
             <a:t>鉴权</a:t>
           </a:r>
           <a:endParaRPr lang="zh-CN" altLang="en-US" dirty="0">
+            <a:solidFill>
+              <a:schemeClr val="bg1"/>
+            </a:solidFill>
             <a:latin typeface="Microsoft YaHei" charset="0"/>
             <a:ea typeface="Microsoft YaHei" charset="0"/>
             <a:cs typeface="Microsoft YaHei" charset="0"/>
@@ -8108,6 +8426,9 @@
         <a:p>
           <a:r>
             <a:rPr lang="zh-CN" altLang="en-US" dirty="0" smtClean="0">
+              <a:solidFill>
+                <a:schemeClr val="bg1"/>
+              </a:solidFill>
               <a:latin typeface="Microsoft YaHei" charset="0"/>
               <a:ea typeface="Microsoft YaHei" charset="0"/>
               <a:cs typeface="Microsoft YaHei" charset="0"/>
@@ -8115,6 +8436,9 @@
             <a:t>流控</a:t>
           </a:r>
           <a:endParaRPr lang="zh-CN" altLang="en-US" dirty="0">
+            <a:solidFill>
+              <a:schemeClr val="bg1"/>
+            </a:solidFill>
             <a:latin typeface="Microsoft YaHei" charset="0"/>
             <a:ea typeface="Microsoft YaHei" charset="0"/>
             <a:cs typeface="Microsoft YaHei" charset="0"/>
@@ -8161,6 +8485,9 @@
         <a:p>
           <a:r>
             <a:rPr lang="zh-CN" altLang="en-US" dirty="0" smtClean="0">
+              <a:solidFill>
+                <a:schemeClr val="bg1"/>
+              </a:solidFill>
               <a:latin typeface="Microsoft YaHei" charset="0"/>
               <a:ea typeface="Microsoft YaHei" charset="0"/>
               <a:cs typeface="Microsoft YaHei" charset="0"/>
@@ -8168,6 +8495,9 @@
             <a:t>路由</a:t>
           </a:r>
           <a:endParaRPr lang="zh-CN" altLang="en-US" dirty="0">
+            <a:solidFill>
+              <a:schemeClr val="bg1"/>
+            </a:solidFill>
             <a:latin typeface="Microsoft YaHei" charset="0"/>
             <a:ea typeface="Microsoft YaHei" charset="0"/>
             <a:cs typeface="Microsoft YaHei" charset="0"/>
@@ -8214,6 +8544,9 @@
         <a:p>
           <a:r>
             <a:rPr lang="zh-CN" altLang="en-US" dirty="0" smtClean="0">
+              <a:solidFill>
+                <a:schemeClr val="bg1"/>
+              </a:solidFill>
               <a:latin typeface="Microsoft YaHei" charset="0"/>
               <a:ea typeface="Microsoft YaHei" charset="0"/>
               <a:cs typeface="Microsoft YaHei" charset="0"/>
@@ -8221,6 +8554,9 @@
             <a:t>安全</a:t>
           </a:r>
           <a:endParaRPr lang="zh-CN" altLang="en-US" dirty="0">
+            <a:solidFill>
+              <a:schemeClr val="bg1"/>
+            </a:solidFill>
             <a:latin typeface="Microsoft YaHei" charset="0"/>
             <a:ea typeface="Microsoft YaHei" charset="0"/>
             <a:cs typeface="Microsoft YaHei" charset="0"/>
@@ -8258,6 +8594,57 @@
         </a:p>
       </dgm:t>
     </dgm:pt>
+    <dgm:pt modelId="{501FDDD4-2D3F-5945-813C-19EDEC791E59}">
+      <dgm:prSet/>
+      <dgm:spPr/>
+      <dgm:t>
+        <a:bodyPr/>
+        <a:lstStyle/>
+        <a:p>
+          <a:r>
+            <a:rPr lang="zh-CN" altLang="en-US" dirty="0" smtClean="0">
+              <a:solidFill>
+                <a:schemeClr val="bg1"/>
+              </a:solidFill>
+              <a:latin typeface="Microsoft YaHei" charset="0"/>
+              <a:ea typeface="Microsoft YaHei" charset="0"/>
+              <a:cs typeface="Microsoft YaHei" charset="0"/>
+            </a:rPr>
+            <a:t>过滤</a:t>
+          </a:r>
+          <a:endParaRPr lang="zh-CN" altLang="en-US" dirty="0">
+            <a:solidFill>
+              <a:schemeClr val="bg1"/>
+            </a:solidFill>
+            <a:latin typeface="Microsoft YaHei" charset="0"/>
+            <a:ea typeface="Microsoft YaHei" charset="0"/>
+            <a:cs typeface="Microsoft YaHei" charset="0"/>
+          </a:endParaRPr>
+        </a:p>
+      </dgm:t>
+    </dgm:pt>
+    <dgm:pt modelId="{6DEBE219-B890-F948-BA58-BDEBA86C0F76}" type="parTrans" cxnId="{06AD5B67-A620-B446-A16F-37F1D63907EC}">
+      <dgm:prSet/>
+      <dgm:spPr/>
+      <dgm:t>
+        <a:bodyPr/>
+        <a:lstStyle/>
+        <a:p>
+          <a:endParaRPr lang="zh-CN" altLang="en-US"/>
+        </a:p>
+      </dgm:t>
+    </dgm:pt>
+    <dgm:pt modelId="{272D8193-2897-2B4C-9F05-0D00139B5D78}" type="sibTrans" cxnId="{06AD5B67-A620-B446-A16F-37F1D63907EC}">
+      <dgm:prSet/>
+      <dgm:spPr/>
+      <dgm:t>
+        <a:bodyPr/>
+        <a:lstStyle/>
+        <a:p>
+          <a:endParaRPr lang="zh-CN" altLang="en-US"/>
+        </a:p>
+      </dgm:t>
+    </dgm:pt>
     <dgm:pt modelId="{F0874AB7-4777-AC4B-9418-86DFDCA0B700}" type="pres">
       <dgm:prSet presAssocID="{CF8AAAE6-7AFC-7148-BA7A-AFD4A2320AC0}" presName="composite" presStyleCnt="0">
         <dgm:presLayoutVars>
@@ -8267,6 +8654,13 @@
         </dgm:presLayoutVars>
       </dgm:prSet>
       <dgm:spPr/>
+      <dgm:t>
+        <a:bodyPr/>
+        <a:lstStyle/>
+        <a:p>
+          <a:endParaRPr lang="zh-CN" altLang="en-US"/>
+        </a:p>
+      </dgm:t>
     </dgm:pt>
     <dgm:pt modelId="{51BFBE17-8B45-4F47-B2D2-0340E8D00E49}" type="pres">
       <dgm:prSet presAssocID="{CF8AAAE6-7AFC-7148-BA7A-AFD4A2320AC0}" presName="radial" presStyleCnt="0">
@@ -8275,62 +8669,122 @@
         </dgm:presLayoutVars>
       </dgm:prSet>
       <dgm:spPr/>
+      <dgm:t>
+        <a:bodyPr/>
+        <a:lstStyle/>
+        <a:p>
+          <a:endParaRPr lang="zh-CN" altLang="en-US"/>
+        </a:p>
+      </dgm:t>
     </dgm:pt>
     <dgm:pt modelId="{3AAB6F66-982E-084C-99CF-DBB2011732AD}" type="pres">
-      <dgm:prSet presAssocID="{34433FC3-6CD7-CA4C-9235-32766155713C}" presName="centerShape" presStyleLbl="vennNode1" presStyleIdx="0" presStyleCnt="5"/>
+      <dgm:prSet presAssocID="{34433FC3-6CD7-CA4C-9235-32766155713C}" presName="centerShape" presStyleLbl="vennNode1" presStyleIdx="0" presStyleCnt="6"/>
       <dgm:spPr/>
+      <dgm:t>
+        <a:bodyPr/>
+        <a:lstStyle/>
+        <a:p>
+          <a:endParaRPr lang="zh-CN" altLang="en-US"/>
+        </a:p>
+      </dgm:t>
     </dgm:pt>
     <dgm:pt modelId="{1E89B786-D91B-3D48-B9B1-C517FDAC398B}" type="pres">
-      <dgm:prSet presAssocID="{A7F7155D-EDE8-9D4D-B811-4498A8D84821}" presName="node" presStyleLbl="vennNode1" presStyleIdx="1" presStyleCnt="5">
+      <dgm:prSet presAssocID="{A7F7155D-EDE8-9D4D-B811-4498A8D84821}" presName="node" presStyleLbl="vennNode1" presStyleIdx="1" presStyleCnt="6">
         <dgm:presLayoutVars>
           <dgm:bulletEnabled val="1"/>
         </dgm:presLayoutVars>
       </dgm:prSet>
       <dgm:spPr/>
+      <dgm:t>
+        <a:bodyPr/>
+        <a:lstStyle/>
+        <a:p>
+          <a:endParaRPr lang="zh-CN" altLang="en-US"/>
+        </a:p>
+      </dgm:t>
     </dgm:pt>
     <dgm:pt modelId="{90A7B8BD-45D8-F74F-9B17-84B257BCD2FF}" type="pres">
-      <dgm:prSet presAssocID="{BCE83DE7-486C-E64F-9653-671D2A76156B}" presName="node" presStyleLbl="vennNode1" presStyleIdx="2" presStyleCnt="5">
+      <dgm:prSet presAssocID="{BCE83DE7-486C-E64F-9653-671D2A76156B}" presName="node" presStyleLbl="vennNode1" presStyleIdx="2" presStyleCnt="6">
         <dgm:presLayoutVars>
           <dgm:bulletEnabled val="1"/>
         </dgm:presLayoutVars>
       </dgm:prSet>
       <dgm:spPr/>
+      <dgm:t>
+        <a:bodyPr/>
+        <a:lstStyle/>
+        <a:p>
+          <a:endParaRPr lang="zh-CN" altLang="en-US"/>
+        </a:p>
+      </dgm:t>
     </dgm:pt>
     <dgm:pt modelId="{EAF2E1EB-34EC-9346-9125-6F4C9FBEBBE5}" type="pres">
-      <dgm:prSet presAssocID="{AAC759BC-0636-304D-9BC3-2127160C0DCD}" presName="node" presStyleLbl="vennNode1" presStyleIdx="3" presStyleCnt="5">
+      <dgm:prSet presAssocID="{AAC759BC-0636-304D-9BC3-2127160C0DCD}" presName="node" presStyleLbl="vennNode1" presStyleIdx="3" presStyleCnt="6">
         <dgm:presLayoutVars>
           <dgm:bulletEnabled val="1"/>
         </dgm:presLayoutVars>
       </dgm:prSet>
       <dgm:spPr/>
+      <dgm:t>
+        <a:bodyPr/>
+        <a:lstStyle/>
+        <a:p>
+          <a:endParaRPr lang="zh-CN" altLang="en-US"/>
+        </a:p>
+      </dgm:t>
     </dgm:pt>
     <dgm:pt modelId="{0AA1D26B-0600-D843-A437-587B4398092C}" type="pres">
-      <dgm:prSet presAssocID="{F6E949EA-0DC4-0047-83A5-12E530649F42}" presName="node" presStyleLbl="vennNode1" presStyleIdx="4" presStyleCnt="5">
+      <dgm:prSet presAssocID="{F6E949EA-0DC4-0047-83A5-12E530649F42}" presName="node" presStyleLbl="vennNode1" presStyleIdx="4" presStyleCnt="6">
         <dgm:presLayoutVars>
           <dgm:bulletEnabled val="1"/>
         </dgm:presLayoutVars>
       </dgm:prSet>
       <dgm:spPr/>
+      <dgm:t>
+        <a:bodyPr/>
+        <a:lstStyle/>
+        <a:p>
+          <a:endParaRPr lang="zh-CN" altLang="en-US"/>
+        </a:p>
+      </dgm:t>
+    </dgm:pt>
+    <dgm:pt modelId="{10071EF6-9CE2-8349-B01B-1FFCBA7ED3E8}" type="pres">
+      <dgm:prSet presAssocID="{501FDDD4-2D3F-5945-813C-19EDEC791E59}" presName="node" presStyleLbl="vennNode1" presStyleIdx="5" presStyleCnt="6">
+        <dgm:presLayoutVars>
+          <dgm:bulletEnabled val="1"/>
+        </dgm:presLayoutVars>
+      </dgm:prSet>
+      <dgm:spPr/>
+      <dgm:t>
+        <a:bodyPr/>
+        <a:lstStyle/>
+        <a:p>
+          <a:endParaRPr lang="zh-CN" altLang="en-US"/>
+        </a:p>
+      </dgm:t>
     </dgm:pt>
   </dgm:ptLst>
   <dgm:cxnLst>
-    <dgm:cxn modelId="{B23C9F74-1D3D-7A49-B0DE-643CD236998C}" type="presOf" srcId="{A7F7155D-EDE8-9D4D-B811-4498A8D84821}" destId="{1E89B786-D91B-3D48-B9B1-C517FDAC398B}" srcOrd="0" destOrd="0" presId="urn:microsoft.com/office/officeart/2005/8/layout/radial3"/>
-    <dgm:cxn modelId="{5B20A1D9-05B1-D844-AAA6-A41CE5BE38E7}" srcId="{34433FC3-6CD7-CA4C-9235-32766155713C}" destId="{BCE83DE7-486C-E64F-9653-671D2A76156B}" srcOrd="1" destOrd="0" parTransId="{3AC13DE7-FE47-DD4F-87BF-E2A0C39824BB}" sibTransId="{9D5E385C-573E-1944-9E64-3A7B2330FD48}"/>
-    <dgm:cxn modelId="{1BBDBBE2-9ED5-1F45-9785-6CF8100D32F0}" type="presOf" srcId="{CF8AAAE6-7AFC-7148-BA7A-AFD4A2320AC0}" destId="{F0874AB7-4777-AC4B-9418-86DFDCA0B700}" srcOrd="0" destOrd="0" presId="urn:microsoft.com/office/officeart/2005/8/layout/radial3"/>
-    <dgm:cxn modelId="{E279C79D-A950-B049-8B7F-31F0A2690EBA}" srcId="{34433FC3-6CD7-CA4C-9235-32766155713C}" destId="{A7F7155D-EDE8-9D4D-B811-4498A8D84821}" srcOrd="0" destOrd="0" parTransId="{CDFD95CC-EC5B-3947-BD65-8C09A1AB35F3}" sibTransId="{2DD4F152-200F-5640-93EB-1A6CD7DD50ED}"/>
+    <dgm:cxn modelId="{1DC08C83-A2CC-0341-9D5C-2B89A0DBA5B9}" type="presOf" srcId="{AAC759BC-0636-304D-9BC3-2127160C0DCD}" destId="{EAF2E1EB-34EC-9346-9125-6F4C9FBEBBE5}" srcOrd="0" destOrd="0" presId="urn:microsoft.com/office/officeart/2005/8/layout/radial3"/>
     <dgm:cxn modelId="{BF430670-53B7-EE4E-B601-4E343A31E728}" type="presOf" srcId="{BCE83DE7-486C-E64F-9653-671D2A76156B}" destId="{90A7B8BD-45D8-F74F-9B17-84B257BCD2FF}" srcOrd="0" destOrd="0" presId="urn:microsoft.com/office/officeart/2005/8/layout/radial3"/>
     <dgm:cxn modelId="{8637E267-7158-AC40-BE23-0A55C6724DE1}" type="presOf" srcId="{34433FC3-6CD7-CA4C-9235-32766155713C}" destId="{3AAB6F66-982E-084C-99CF-DBB2011732AD}" srcOrd="0" destOrd="0" presId="urn:microsoft.com/office/officeart/2005/8/layout/radial3"/>
+    <dgm:cxn modelId="{190AF22E-CFFA-1640-8268-0C5D1345C0DA}" type="presOf" srcId="{F6E949EA-0DC4-0047-83A5-12E530649F42}" destId="{0AA1D26B-0600-D843-A437-587B4398092C}" srcOrd="0" destOrd="0" presId="urn:microsoft.com/office/officeart/2005/8/layout/radial3"/>
+    <dgm:cxn modelId="{1BBDBBE2-9ED5-1F45-9785-6CF8100D32F0}" type="presOf" srcId="{CF8AAAE6-7AFC-7148-BA7A-AFD4A2320AC0}" destId="{F0874AB7-4777-AC4B-9418-86DFDCA0B700}" srcOrd="0" destOrd="0" presId="urn:microsoft.com/office/officeart/2005/8/layout/radial3"/>
+    <dgm:cxn modelId="{F78C8BC3-308A-A340-9F6E-10DE2B1BF3B0}" srcId="{34433FC3-6CD7-CA4C-9235-32766155713C}" destId="{F6E949EA-0DC4-0047-83A5-12E530649F42}" srcOrd="3" destOrd="0" parTransId="{4A86EF99-504B-9C40-AECB-CF7D94D643E9}" sibTransId="{24930016-49F0-E847-8F9B-B875823EEE01}"/>
+    <dgm:cxn modelId="{06AD5B67-A620-B446-A16F-37F1D63907EC}" srcId="{34433FC3-6CD7-CA4C-9235-32766155713C}" destId="{501FDDD4-2D3F-5945-813C-19EDEC791E59}" srcOrd="4" destOrd="0" parTransId="{6DEBE219-B890-F948-BA58-BDEBA86C0F76}" sibTransId="{272D8193-2897-2B4C-9F05-0D00139B5D78}"/>
+    <dgm:cxn modelId="{4C9D106D-8448-F247-8440-272D582D275D}" srcId="{CF8AAAE6-7AFC-7148-BA7A-AFD4A2320AC0}" destId="{34433FC3-6CD7-CA4C-9235-32766155713C}" srcOrd="0" destOrd="0" parTransId="{3905365E-6C3A-DB49-B4E8-D9A0B10453BC}" sibTransId="{19926842-DA15-B046-831F-86E40C6D67D0}"/>
+    <dgm:cxn modelId="{5B20A1D9-05B1-D844-AAA6-A41CE5BE38E7}" srcId="{34433FC3-6CD7-CA4C-9235-32766155713C}" destId="{BCE83DE7-486C-E64F-9653-671D2A76156B}" srcOrd="1" destOrd="0" parTransId="{3AC13DE7-FE47-DD4F-87BF-E2A0C39824BB}" sibTransId="{9D5E385C-573E-1944-9E64-3A7B2330FD48}"/>
+    <dgm:cxn modelId="{E279C79D-A950-B049-8B7F-31F0A2690EBA}" srcId="{34433FC3-6CD7-CA4C-9235-32766155713C}" destId="{A7F7155D-EDE8-9D4D-B811-4498A8D84821}" srcOrd="0" destOrd="0" parTransId="{CDFD95CC-EC5B-3947-BD65-8C09A1AB35F3}" sibTransId="{2DD4F152-200F-5640-93EB-1A6CD7DD50ED}"/>
+    <dgm:cxn modelId="{26C3240E-5256-1349-B33E-628703488819}" type="presOf" srcId="{501FDDD4-2D3F-5945-813C-19EDEC791E59}" destId="{10071EF6-9CE2-8349-B01B-1FFCBA7ED3E8}" srcOrd="0" destOrd="0" presId="urn:microsoft.com/office/officeart/2005/8/layout/radial3"/>
+    <dgm:cxn modelId="{B23C9F74-1D3D-7A49-B0DE-643CD236998C}" type="presOf" srcId="{A7F7155D-EDE8-9D4D-B811-4498A8D84821}" destId="{1E89B786-D91B-3D48-B9B1-C517FDAC398B}" srcOrd="0" destOrd="0" presId="urn:microsoft.com/office/officeart/2005/8/layout/radial3"/>
     <dgm:cxn modelId="{B0559298-407A-AE4F-9855-B1C43BF16663}" srcId="{34433FC3-6CD7-CA4C-9235-32766155713C}" destId="{AAC759BC-0636-304D-9BC3-2127160C0DCD}" srcOrd="2" destOrd="0" parTransId="{37D7F80C-26FA-1D42-A806-82899F0D758E}" sibTransId="{81543EBA-2AF4-F447-8488-8D3FCC8FE523}"/>
-    <dgm:cxn modelId="{190AF22E-CFFA-1640-8268-0C5D1345C0DA}" type="presOf" srcId="{F6E949EA-0DC4-0047-83A5-12E530649F42}" destId="{0AA1D26B-0600-D843-A437-587B4398092C}" srcOrd="0" destOrd="0" presId="urn:microsoft.com/office/officeart/2005/8/layout/radial3"/>
-    <dgm:cxn modelId="{4C9D106D-8448-F247-8440-272D582D275D}" srcId="{CF8AAAE6-7AFC-7148-BA7A-AFD4A2320AC0}" destId="{34433FC3-6CD7-CA4C-9235-32766155713C}" srcOrd="0" destOrd="0" parTransId="{3905365E-6C3A-DB49-B4E8-D9A0B10453BC}" sibTransId="{19926842-DA15-B046-831F-86E40C6D67D0}"/>
-    <dgm:cxn modelId="{F78C8BC3-308A-A340-9F6E-10DE2B1BF3B0}" srcId="{34433FC3-6CD7-CA4C-9235-32766155713C}" destId="{F6E949EA-0DC4-0047-83A5-12E530649F42}" srcOrd="3" destOrd="0" parTransId="{4A86EF99-504B-9C40-AECB-CF7D94D643E9}" sibTransId="{24930016-49F0-E847-8F9B-B875823EEE01}"/>
-    <dgm:cxn modelId="{1DC08C83-A2CC-0341-9D5C-2B89A0DBA5B9}" type="presOf" srcId="{AAC759BC-0636-304D-9BC3-2127160C0DCD}" destId="{EAF2E1EB-34EC-9346-9125-6F4C9FBEBBE5}" srcOrd="0" destOrd="0" presId="urn:microsoft.com/office/officeart/2005/8/layout/radial3"/>
     <dgm:cxn modelId="{9E693AE9-42D4-3440-932A-1F59F5DDE18A}" type="presParOf" srcId="{F0874AB7-4777-AC4B-9418-86DFDCA0B700}" destId="{51BFBE17-8B45-4F47-B2D2-0340E8D00E49}" srcOrd="0" destOrd="0" presId="urn:microsoft.com/office/officeart/2005/8/layout/radial3"/>
     <dgm:cxn modelId="{10A16F21-9CCA-9948-8E64-58E40330E75F}" type="presParOf" srcId="{51BFBE17-8B45-4F47-B2D2-0340E8D00E49}" destId="{3AAB6F66-982E-084C-99CF-DBB2011732AD}" srcOrd="0" destOrd="0" presId="urn:microsoft.com/office/officeart/2005/8/layout/radial3"/>
     <dgm:cxn modelId="{5CF89794-A30F-D943-BBCE-F66ADC3377A1}" type="presParOf" srcId="{51BFBE17-8B45-4F47-B2D2-0340E8D00E49}" destId="{1E89B786-D91B-3D48-B9B1-C517FDAC398B}" srcOrd="1" destOrd="0" presId="urn:microsoft.com/office/officeart/2005/8/layout/radial3"/>
     <dgm:cxn modelId="{A94CEFD3-B367-4D4B-AD99-70D665FBB0EF}" type="presParOf" srcId="{51BFBE17-8B45-4F47-B2D2-0340E8D00E49}" destId="{90A7B8BD-45D8-F74F-9B17-84B257BCD2FF}" srcOrd="2" destOrd="0" presId="urn:microsoft.com/office/officeart/2005/8/layout/radial3"/>
     <dgm:cxn modelId="{DB5E71AD-AC30-4042-8CF7-73E1EF5080F0}" type="presParOf" srcId="{51BFBE17-8B45-4F47-B2D2-0340E8D00E49}" destId="{EAF2E1EB-34EC-9346-9125-6F4C9FBEBBE5}" srcOrd="3" destOrd="0" presId="urn:microsoft.com/office/officeart/2005/8/layout/radial3"/>
     <dgm:cxn modelId="{AB74F5F6-B97B-3548-9563-D50118991AC2}" type="presParOf" srcId="{51BFBE17-8B45-4F47-B2D2-0340E8D00E49}" destId="{0AA1D26B-0600-D843-A437-587B4398092C}" srcOrd="4" destOrd="0" presId="urn:microsoft.com/office/officeart/2005/8/layout/radial3"/>
+    <dgm:cxn modelId="{87705CA9-9FDB-0943-8FD4-F501609F484E}" type="presParOf" srcId="{51BFBE17-8B45-4F47-B2D2-0340E8D00E49}" destId="{10071EF6-9CE2-8349-B01B-1FFCBA7ED3E8}" srcOrd="5" destOrd="0" presId="urn:microsoft.com/office/officeart/2005/8/layout/radial3"/>
   </dgm:cxnLst>
   <dgm:bg/>
   <dgm:whole/>
@@ -8534,14 +8988,35 @@
         </dgm:presLayoutVars>
       </dgm:prSet>
       <dgm:spPr/>
+      <dgm:t>
+        <a:bodyPr/>
+        <a:lstStyle/>
+        <a:p>
+          <a:endParaRPr lang="zh-CN" altLang="en-US"/>
+        </a:p>
+      </dgm:t>
     </dgm:pt>
     <dgm:pt modelId="{48F3D214-8113-C448-B6A5-20D5A10E5753}" type="pres">
       <dgm:prSet presAssocID="{92D542C3-DCE1-2740-92B8-C1D9519F2B5F}" presName="gear1srcNode" presStyleLbl="node1" presStyleIdx="0" presStyleCnt="3"/>
       <dgm:spPr/>
+      <dgm:t>
+        <a:bodyPr/>
+        <a:lstStyle/>
+        <a:p>
+          <a:endParaRPr lang="zh-CN" altLang="en-US"/>
+        </a:p>
+      </dgm:t>
     </dgm:pt>
     <dgm:pt modelId="{CC10FE8A-B1F8-534C-828F-42A5D9AE9930}" type="pres">
       <dgm:prSet presAssocID="{92D542C3-DCE1-2740-92B8-C1D9519F2B5F}" presName="gear1dstNode" presStyleLbl="node1" presStyleIdx="0" presStyleCnt="3"/>
       <dgm:spPr/>
+      <dgm:t>
+        <a:bodyPr/>
+        <a:lstStyle/>
+        <a:p>
+          <a:endParaRPr lang="zh-CN" altLang="en-US"/>
+        </a:p>
+      </dgm:t>
     </dgm:pt>
     <dgm:pt modelId="{5920CB5B-D55E-5B40-A0D4-AF5873E30804}" type="pres">
       <dgm:prSet presAssocID="{0BC4E326-7D6A-674D-B741-0C582095E65C}" presName="gear2" presStyleLbl="node1" presStyleIdx="1" presStyleCnt="3">
@@ -8551,18 +9026,46 @@
         </dgm:presLayoutVars>
       </dgm:prSet>
       <dgm:spPr/>
+      <dgm:t>
+        <a:bodyPr/>
+        <a:lstStyle/>
+        <a:p>
+          <a:endParaRPr lang="zh-CN" altLang="en-US"/>
+        </a:p>
+      </dgm:t>
     </dgm:pt>
     <dgm:pt modelId="{D4E7A7FB-06CB-4D4B-A947-E239ED838951}" type="pres">
       <dgm:prSet presAssocID="{0BC4E326-7D6A-674D-B741-0C582095E65C}" presName="gear2srcNode" presStyleLbl="node1" presStyleIdx="1" presStyleCnt="3"/>
       <dgm:spPr/>
+      <dgm:t>
+        <a:bodyPr/>
+        <a:lstStyle/>
+        <a:p>
+          <a:endParaRPr lang="zh-CN" altLang="en-US"/>
+        </a:p>
+      </dgm:t>
     </dgm:pt>
     <dgm:pt modelId="{CA818F68-C626-0B4A-9F83-963D410C8CA1}" type="pres">
       <dgm:prSet presAssocID="{0BC4E326-7D6A-674D-B741-0C582095E65C}" presName="gear2dstNode" presStyleLbl="node1" presStyleIdx="1" presStyleCnt="3"/>
       <dgm:spPr/>
+      <dgm:t>
+        <a:bodyPr/>
+        <a:lstStyle/>
+        <a:p>
+          <a:endParaRPr lang="zh-CN" altLang="en-US"/>
+        </a:p>
+      </dgm:t>
     </dgm:pt>
     <dgm:pt modelId="{5EEFF742-5FC0-DA48-9093-84AB265142C2}" type="pres">
       <dgm:prSet presAssocID="{2C5690FC-F888-DE41-9738-9E03EF0892A0}" presName="gear3" presStyleLbl="node1" presStyleIdx="2" presStyleCnt="3"/>
       <dgm:spPr/>
+      <dgm:t>
+        <a:bodyPr/>
+        <a:lstStyle/>
+        <a:p>
+          <a:endParaRPr lang="zh-CN" altLang="en-US"/>
+        </a:p>
+      </dgm:t>
     </dgm:pt>
     <dgm:pt modelId="{DE3DFCD5-1125-3E4D-8DDE-82992DF343AC}" type="pres">
       <dgm:prSet presAssocID="{2C5690FC-F888-DE41-9738-9E03EF0892A0}" presName="gear3tx" presStyleLbl="node1" presStyleIdx="2" presStyleCnt="3">
@@ -8572,46 +9075,88 @@
         </dgm:presLayoutVars>
       </dgm:prSet>
       <dgm:spPr/>
+      <dgm:t>
+        <a:bodyPr/>
+        <a:lstStyle/>
+        <a:p>
+          <a:endParaRPr lang="zh-CN" altLang="en-US"/>
+        </a:p>
+      </dgm:t>
     </dgm:pt>
     <dgm:pt modelId="{63DBD4FE-AF52-D541-A530-40FEF142A79F}" type="pres">
       <dgm:prSet presAssocID="{2C5690FC-F888-DE41-9738-9E03EF0892A0}" presName="gear3srcNode" presStyleLbl="node1" presStyleIdx="2" presStyleCnt="3"/>
       <dgm:spPr/>
+      <dgm:t>
+        <a:bodyPr/>
+        <a:lstStyle/>
+        <a:p>
+          <a:endParaRPr lang="zh-CN" altLang="en-US"/>
+        </a:p>
+      </dgm:t>
     </dgm:pt>
     <dgm:pt modelId="{888AAEC9-F280-1540-B151-8AB3CB63E636}" type="pres">
       <dgm:prSet presAssocID="{2C5690FC-F888-DE41-9738-9E03EF0892A0}" presName="gear3dstNode" presStyleLbl="node1" presStyleIdx="2" presStyleCnt="3"/>
       <dgm:spPr/>
+      <dgm:t>
+        <a:bodyPr/>
+        <a:lstStyle/>
+        <a:p>
+          <a:endParaRPr lang="zh-CN" altLang="en-US"/>
+        </a:p>
+      </dgm:t>
     </dgm:pt>
     <dgm:pt modelId="{46BC9AA7-714D-DC4E-A528-9C5969844834}" type="pres">
       <dgm:prSet presAssocID="{26F98955-0968-834B-8126-ACB5AF7AFF9F}" presName="connector1" presStyleLbl="sibTrans2D1" presStyleIdx="0" presStyleCnt="3"/>
       <dgm:spPr/>
+      <dgm:t>
+        <a:bodyPr/>
+        <a:lstStyle/>
+        <a:p>
+          <a:endParaRPr lang="zh-CN" altLang="en-US"/>
+        </a:p>
+      </dgm:t>
     </dgm:pt>
     <dgm:pt modelId="{24C59FF3-9F53-A34D-86C5-FEAB0BFF9789}" type="pres">
       <dgm:prSet presAssocID="{E8727AF2-9D9E-5545-B307-B40FC5A319BF}" presName="connector2" presStyleLbl="sibTrans2D1" presStyleIdx="1" presStyleCnt="3"/>
       <dgm:spPr/>
+      <dgm:t>
+        <a:bodyPr/>
+        <a:lstStyle/>
+        <a:p>
+          <a:endParaRPr lang="zh-CN" altLang="en-US"/>
+        </a:p>
+      </dgm:t>
     </dgm:pt>
     <dgm:pt modelId="{7A5BDBBF-E4AB-7A47-9FBC-2080A9A5DB89}" type="pres">
       <dgm:prSet presAssocID="{48F86D58-0728-414E-B058-27059B64D4DF}" presName="connector3" presStyleLbl="sibTrans2D1" presStyleIdx="2" presStyleCnt="3"/>
       <dgm:spPr/>
+      <dgm:t>
+        <a:bodyPr/>
+        <a:lstStyle/>
+        <a:p>
+          <a:endParaRPr lang="zh-CN" altLang="en-US"/>
+        </a:p>
+      </dgm:t>
     </dgm:pt>
   </dgm:ptLst>
   <dgm:cxnLst>
+    <dgm:cxn modelId="{3AC7F97F-FC08-1E4A-BB25-2AA3DC7234F8}" type="presOf" srcId="{2C5690FC-F888-DE41-9738-9E03EF0892A0}" destId="{888AAEC9-F280-1540-B151-8AB3CB63E636}" srcOrd="3" destOrd="0" presId="urn:microsoft.com/office/officeart/2005/8/layout/gear1"/>
+    <dgm:cxn modelId="{182C044C-86DC-3749-B10B-A4570D0F3CB0}" type="presOf" srcId="{2C5690FC-F888-DE41-9738-9E03EF0892A0}" destId="{DE3DFCD5-1125-3E4D-8DDE-82992DF343AC}" srcOrd="1" destOrd="0" presId="urn:microsoft.com/office/officeart/2005/8/layout/gear1"/>
+    <dgm:cxn modelId="{F47F0E69-8B85-4647-9640-2E7FF0FFF95A}" type="presOf" srcId="{92D542C3-DCE1-2740-92B8-C1D9519F2B5F}" destId="{48F3D214-8113-C448-B6A5-20D5A10E5753}" srcOrd="1" destOrd="0" presId="urn:microsoft.com/office/officeart/2005/8/layout/gear1"/>
+    <dgm:cxn modelId="{CDB5D263-B998-0B48-8A3A-65D376120D40}" srcId="{FAF1CC85-2394-0E46-AE8F-74A52C20DB34}" destId="{0BC4E326-7D6A-674D-B741-0C582095E65C}" srcOrd="1" destOrd="0" parTransId="{517E0E40-EC74-FD49-9FF8-E0C8545D4493}" sibTransId="{E8727AF2-9D9E-5545-B307-B40FC5A319BF}"/>
+    <dgm:cxn modelId="{8B58A4EE-D785-324B-B456-CFE630F4E8C8}" type="presOf" srcId="{0BC4E326-7D6A-674D-B741-0C582095E65C}" destId="{5920CB5B-D55E-5B40-A0D4-AF5873E30804}" srcOrd="0" destOrd="0" presId="urn:microsoft.com/office/officeart/2005/8/layout/gear1"/>
+    <dgm:cxn modelId="{74E77AAF-6AD0-7B4C-BF27-2C5370F5E433}" type="presOf" srcId="{48F86D58-0728-414E-B058-27059B64D4DF}" destId="{7A5BDBBF-E4AB-7A47-9FBC-2080A9A5DB89}" srcOrd="0" destOrd="0" presId="urn:microsoft.com/office/officeart/2005/8/layout/gear1"/>
+    <dgm:cxn modelId="{016CB67F-335E-EF43-8AA4-14BBE4E1F5D3}" type="presOf" srcId="{92D542C3-DCE1-2740-92B8-C1D9519F2B5F}" destId="{D587B32C-CEBB-204E-817A-A42CCAA8D87A}" srcOrd="0" destOrd="0" presId="urn:microsoft.com/office/officeart/2005/8/layout/gear1"/>
+    <dgm:cxn modelId="{D0260E08-B56E-D844-ADBD-178EE191470B}" type="presOf" srcId="{92D542C3-DCE1-2740-92B8-C1D9519F2B5F}" destId="{CC10FE8A-B1F8-534C-828F-42A5D9AE9930}" srcOrd="2" destOrd="0" presId="urn:microsoft.com/office/officeart/2005/8/layout/gear1"/>
+    <dgm:cxn modelId="{CD51659F-52F3-4149-8EA9-4533B3F880B0}" type="presOf" srcId="{0BC4E326-7D6A-674D-B741-0C582095E65C}" destId="{CA818F68-C626-0B4A-9F83-963D410C8CA1}" srcOrd="2" destOrd="0" presId="urn:microsoft.com/office/officeart/2005/8/layout/gear1"/>
+    <dgm:cxn modelId="{2828CC71-8F80-0448-9C85-A61A0C949946}" type="presOf" srcId="{26F98955-0968-834B-8126-ACB5AF7AFF9F}" destId="{46BC9AA7-714D-DC4E-A528-9C5969844834}" srcOrd="0" destOrd="0" presId="urn:microsoft.com/office/officeart/2005/8/layout/gear1"/>
+    <dgm:cxn modelId="{9B56C5C2-5E52-AE43-AE44-AA767D6E8429}" srcId="{FAF1CC85-2394-0E46-AE8F-74A52C20DB34}" destId="{2C5690FC-F888-DE41-9738-9E03EF0892A0}" srcOrd="2" destOrd="0" parTransId="{C261D0F1-6527-414C-9E3F-D967D869F27C}" sibTransId="{48F86D58-0728-414E-B058-27059B64D4DF}"/>
+    <dgm:cxn modelId="{8E7F8870-696E-244C-BFD4-226DA1A11366}" type="presOf" srcId="{2C5690FC-F888-DE41-9738-9E03EF0892A0}" destId="{5EEFF742-5FC0-DA48-9093-84AB265142C2}" srcOrd="0" destOrd="0" presId="urn:microsoft.com/office/officeart/2005/8/layout/gear1"/>
     <dgm:cxn modelId="{68DAB101-1740-4C4E-9ECC-096554D4437A}" type="presOf" srcId="{E8727AF2-9D9E-5545-B307-B40FC5A319BF}" destId="{24C59FF3-9F53-A34D-86C5-FEAB0BFF9789}" srcOrd="0" destOrd="0" presId="urn:microsoft.com/office/officeart/2005/8/layout/gear1"/>
     <dgm:cxn modelId="{2099C011-C378-CE47-BBB2-C1007F9E77B4}" type="presOf" srcId="{FAF1CC85-2394-0E46-AE8F-74A52C20DB34}" destId="{3CED8491-308B-B24D-A801-36E224EBFB16}" srcOrd="0" destOrd="0" presId="urn:microsoft.com/office/officeart/2005/8/layout/gear1"/>
-    <dgm:cxn modelId="{CD51659F-52F3-4149-8EA9-4533B3F880B0}" type="presOf" srcId="{0BC4E326-7D6A-674D-B741-0C582095E65C}" destId="{CA818F68-C626-0B4A-9F83-963D410C8CA1}" srcOrd="2" destOrd="0" presId="urn:microsoft.com/office/officeart/2005/8/layout/gear1"/>
-    <dgm:cxn modelId="{182C044C-86DC-3749-B10B-A4570D0F3CB0}" type="presOf" srcId="{2C5690FC-F888-DE41-9738-9E03EF0892A0}" destId="{DE3DFCD5-1125-3E4D-8DDE-82992DF343AC}" srcOrd="1" destOrd="0" presId="urn:microsoft.com/office/officeart/2005/8/layout/gear1"/>
     <dgm:cxn modelId="{28E6E948-E858-4344-A2ED-21A7749F0F48}" type="presOf" srcId="{2C5690FC-F888-DE41-9738-9E03EF0892A0}" destId="{63DBD4FE-AF52-D541-A530-40FEF142A79F}" srcOrd="2" destOrd="0" presId="urn:microsoft.com/office/officeart/2005/8/layout/gear1"/>
-    <dgm:cxn modelId="{016CB67F-335E-EF43-8AA4-14BBE4E1F5D3}" type="presOf" srcId="{92D542C3-DCE1-2740-92B8-C1D9519F2B5F}" destId="{D587B32C-CEBB-204E-817A-A42CCAA8D87A}" srcOrd="0" destOrd="0" presId="urn:microsoft.com/office/officeart/2005/8/layout/gear1"/>
     <dgm:cxn modelId="{77D3AD3D-981F-9B4B-9415-94727F873D64}" srcId="{FAF1CC85-2394-0E46-AE8F-74A52C20DB34}" destId="{92D542C3-DCE1-2740-92B8-C1D9519F2B5F}" srcOrd="0" destOrd="0" parTransId="{768955A3-A0B8-CC46-AA66-918879632E51}" sibTransId="{26F98955-0968-834B-8126-ACB5AF7AFF9F}"/>
-    <dgm:cxn modelId="{F47F0E69-8B85-4647-9640-2E7FF0FFF95A}" type="presOf" srcId="{92D542C3-DCE1-2740-92B8-C1D9519F2B5F}" destId="{48F3D214-8113-C448-B6A5-20D5A10E5753}" srcOrd="1" destOrd="0" presId="urn:microsoft.com/office/officeart/2005/8/layout/gear1"/>
-    <dgm:cxn modelId="{2828CC71-8F80-0448-9C85-A61A0C949946}" type="presOf" srcId="{26F98955-0968-834B-8126-ACB5AF7AFF9F}" destId="{46BC9AA7-714D-DC4E-A528-9C5969844834}" srcOrd="0" destOrd="0" presId="urn:microsoft.com/office/officeart/2005/8/layout/gear1"/>
-    <dgm:cxn modelId="{3AC7F97F-FC08-1E4A-BB25-2AA3DC7234F8}" type="presOf" srcId="{2C5690FC-F888-DE41-9738-9E03EF0892A0}" destId="{888AAEC9-F280-1540-B151-8AB3CB63E636}" srcOrd="3" destOrd="0" presId="urn:microsoft.com/office/officeart/2005/8/layout/gear1"/>
-    <dgm:cxn modelId="{74E77AAF-6AD0-7B4C-BF27-2C5370F5E433}" type="presOf" srcId="{48F86D58-0728-414E-B058-27059B64D4DF}" destId="{7A5BDBBF-E4AB-7A47-9FBC-2080A9A5DB89}" srcOrd="0" destOrd="0" presId="urn:microsoft.com/office/officeart/2005/8/layout/gear1"/>
     <dgm:cxn modelId="{51248E8D-AAA7-DC41-B9BD-606179C5B42D}" type="presOf" srcId="{0BC4E326-7D6A-674D-B741-0C582095E65C}" destId="{D4E7A7FB-06CB-4D4B-A947-E239ED838951}" srcOrd="1" destOrd="0" presId="urn:microsoft.com/office/officeart/2005/8/layout/gear1"/>
-    <dgm:cxn modelId="{9B56C5C2-5E52-AE43-AE44-AA767D6E8429}" srcId="{FAF1CC85-2394-0E46-AE8F-74A52C20DB34}" destId="{2C5690FC-F888-DE41-9738-9E03EF0892A0}" srcOrd="2" destOrd="0" parTransId="{C261D0F1-6527-414C-9E3F-D967D869F27C}" sibTransId="{48F86D58-0728-414E-B058-27059B64D4DF}"/>
-    <dgm:cxn modelId="{8E7F8870-696E-244C-BFD4-226DA1A11366}" type="presOf" srcId="{2C5690FC-F888-DE41-9738-9E03EF0892A0}" destId="{5EEFF742-5FC0-DA48-9093-84AB265142C2}" srcOrd="0" destOrd="0" presId="urn:microsoft.com/office/officeart/2005/8/layout/gear1"/>
-    <dgm:cxn modelId="{D0260E08-B56E-D844-ADBD-178EE191470B}" type="presOf" srcId="{92D542C3-DCE1-2740-92B8-C1D9519F2B5F}" destId="{CC10FE8A-B1F8-534C-828F-42A5D9AE9930}" srcOrd="2" destOrd="0" presId="urn:microsoft.com/office/officeart/2005/8/layout/gear1"/>
-    <dgm:cxn modelId="{8B58A4EE-D785-324B-B456-CFE630F4E8C8}" type="presOf" srcId="{0BC4E326-7D6A-674D-B741-0C582095E65C}" destId="{5920CB5B-D55E-5B40-A0D4-AF5873E30804}" srcOrd="0" destOrd="0" presId="urn:microsoft.com/office/officeart/2005/8/layout/gear1"/>
-    <dgm:cxn modelId="{CDB5D263-B998-0B48-8A3A-65D376120D40}" srcId="{FAF1CC85-2394-0E46-AE8F-74A52C20DB34}" destId="{0BC4E326-7D6A-674D-B741-0C582095E65C}" srcOrd="1" destOrd="0" parTransId="{517E0E40-EC74-FD49-9FF8-E0C8545D4493}" sibTransId="{E8727AF2-9D9E-5545-B307-B40FC5A319BF}"/>
     <dgm:cxn modelId="{67781F0B-A8C7-2A4A-AE98-AA5F91D00B86}" type="presParOf" srcId="{3CED8491-308B-B24D-A801-36E224EBFB16}" destId="{D587B32C-CEBB-204E-817A-A42CCAA8D87A}" srcOrd="0" destOrd="0" presId="urn:microsoft.com/office/officeart/2005/8/layout/gear1"/>
     <dgm:cxn modelId="{5AFD0577-1A00-364A-A7A4-F2BEADAA33DA}" type="presParOf" srcId="{3CED8491-308B-B24D-A801-36E224EBFB16}" destId="{48F3D214-8113-C448-B6A5-20D5A10E5753}" srcOrd="1" destOrd="0" presId="urn:microsoft.com/office/officeart/2005/8/layout/gear1"/>
     <dgm:cxn modelId="{880921D3-8BFE-7A42-9B30-FA3902E2A69C}" type="presParOf" srcId="{3CED8491-308B-B24D-A801-36E224EBFB16}" destId="{CC10FE8A-B1F8-534C-828F-42A5D9AE9930}" srcOrd="2" destOrd="0" presId="urn:microsoft.com/office/officeart/2005/8/layout/gear1"/>
@@ -8838,6 +9383,13 @@
         </dgm:presLayoutVars>
       </dgm:prSet>
       <dgm:spPr/>
+      <dgm:t>
+        <a:bodyPr/>
+        <a:lstStyle/>
+        <a:p>
+          <a:endParaRPr lang="zh-CN" altLang="en-US"/>
+        </a:p>
+      </dgm:t>
     </dgm:pt>
     <dgm:pt modelId="{4F4C361A-219E-2A4D-96A1-C7179BBE7930}" type="pres">
       <dgm:prSet presAssocID="{E24154A1-9E33-074D-95DA-728C6E9C8765}" presName="ellipse" presStyleLbl="trBgShp" presStyleIdx="0" presStyleCnt="1"/>
@@ -8869,6 +9421,13 @@
         </dgm:presLayoutVars>
       </dgm:prSet>
       <dgm:spPr/>
+      <dgm:t>
+        <a:bodyPr/>
+        <a:lstStyle/>
+        <a:p>
+          <a:endParaRPr lang="zh-CN" altLang="en-US"/>
+        </a:p>
+      </dgm:t>
     </dgm:pt>
     <dgm:pt modelId="{7B2D79F7-F58A-334A-9FA4-C8BA48F04770}" type="pres">
       <dgm:prSet presAssocID="{CFD7578B-8FB6-1040-9BC8-88D2ABC38B65}" presName="item2" presStyleLbl="node1" presStyleIdx="1" presStyleCnt="3">
@@ -8877,6 +9436,13 @@
         </dgm:presLayoutVars>
       </dgm:prSet>
       <dgm:spPr/>
+      <dgm:t>
+        <a:bodyPr/>
+        <a:lstStyle/>
+        <a:p>
+          <a:endParaRPr lang="zh-CN" altLang="en-US"/>
+        </a:p>
+      </dgm:t>
     </dgm:pt>
     <dgm:pt modelId="{77E9C0B3-B590-784B-8286-DD4CE773CBE2}" type="pres">
       <dgm:prSet presAssocID="{6B0CC448-5E9B-6449-8744-47B17661B77D}" presName="item3" presStyleLbl="node1" presStyleIdx="2" presStyleCnt="3">
@@ -8885,6 +9451,13 @@
         </dgm:presLayoutVars>
       </dgm:prSet>
       <dgm:spPr/>
+      <dgm:t>
+        <a:bodyPr/>
+        <a:lstStyle/>
+        <a:p>
+          <a:endParaRPr lang="zh-CN" altLang="en-US"/>
+        </a:p>
+      </dgm:t>
     </dgm:pt>
     <dgm:pt modelId="{85156959-70B1-304F-8922-8A82F01BBB1B}" type="pres">
       <dgm:prSet presAssocID="{E24154A1-9E33-074D-95DA-728C6E9C8765}" presName="funnel" presStyleLbl="trAlignAcc1" presStyleIdx="0" presStyleCnt="1"/>
@@ -8896,10 +9469,10 @@
     <dgm:cxn modelId="{D67613B6-3570-0942-859E-DA76F15D26E0}" srcId="{E24154A1-9E33-074D-95DA-728C6E9C8765}" destId="{CFD7578B-8FB6-1040-9BC8-88D2ABC38B65}" srcOrd="2" destOrd="0" parTransId="{DE9A39F5-A7B0-C242-95DF-E679F94E3C34}" sibTransId="{C1C3CE65-ADD4-3E46-8416-1E393D1BD446}"/>
     <dgm:cxn modelId="{E2FDAA35-AB12-3943-A481-A2B381608C77}" type="presOf" srcId="{CFD7578B-8FB6-1040-9BC8-88D2ABC38B65}" destId="{BBDE92B8-D782-1C40-92B6-6F8B2BDAA8FA}" srcOrd="0" destOrd="0" presId="urn:microsoft.com/office/officeart/2005/8/layout/funnel1"/>
     <dgm:cxn modelId="{3B7EA85C-C470-D94B-A89F-8F0AE758F6DD}" type="presOf" srcId="{646674DF-7E1C-9247-AB5B-ACE73AA67481}" destId="{7B2D79F7-F58A-334A-9FA4-C8BA48F04770}" srcOrd="0" destOrd="0" presId="urn:microsoft.com/office/officeart/2005/8/layout/funnel1"/>
+    <dgm:cxn modelId="{69093638-60BF-8D41-AEAB-C9F6FCD790D3}" type="presOf" srcId="{0B07D904-EBF6-6D47-83D8-F51C3FE0627E}" destId="{77E9C0B3-B590-784B-8286-DD4CE773CBE2}" srcOrd="0" destOrd="0" presId="urn:microsoft.com/office/officeart/2005/8/layout/funnel1"/>
     <dgm:cxn modelId="{57D00187-9DF7-CE4B-89C7-3B8C021CA782}" srcId="{E24154A1-9E33-074D-95DA-728C6E9C8765}" destId="{6B0CC448-5E9B-6449-8744-47B17661B77D}" srcOrd="3" destOrd="0" parTransId="{80D2E474-6123-244B-91E2-23FDC6C24278}" sibTransId="{D8D10392-38DF-D34D-8F96-5C42A6E212EE}"/>
-    <dgm:cxn modelId="{69093638-60BF-8D41-AEAB-C9F6FCD790D3}" type="presOf" srcId="{0B07D904-EBF6-6D47-83D8-F51C3FE0627E}" destId="{77E9C0B3-B590-784B-8286-DD4CE773CBE2}" srcOrd="0" destOrd="0" presId="urn:microsoft.com/office/officeart/2005/8/layout/funnel1"/>
+    <dgm:cxn modelId="{0EF6259F-5AF8-984A-9E8A-8421B558F634}" type="presOf" srcId="{E24154A1-9E33-074D-95DA-728C6E9C8765}" destId="{A04F8979-4A50-0748-A0FF-3EC0430C7BF0}" srcOrd="0" destOrd="0" presId="urn:microsoft.com/office/officeart/2005/8/layout/funnel1"/>
     <dgm:cxn modelId="{B416FEDA-6BB8-4F46-86EC-427B0BE35A88}" srcId="{E24154A1-9E33-074D-95DA-728C6E9C8765}" destId="{646674DF-7E1C-9247-AB5B-ACE73AA67481}" srcOrd="1" destOrd="0" parTransId="{3BF03F06-6163-7745-BEBE-012A820E79E1}" sibTransId="{20CCBDEC-103B-9245-9D30-16F1B6F39BC5}"/>
-    <dgm:cxn modelId="{0EF6259F-5AF8-984A-9E8A-8421B558F634}" type="presOf" srcId="{E24154A1-9E33-074D-95DA-728C6E9C8765}" destId="{A04F8979-4A50-0748-A0FF-3EC0430C7BF0}" srcOrd="0" destOrd="0" presId="urn:microsoft.com/office/officeart/2005/8/layout/funnel1"/>
     <dgm:cxn modelId="{57224409-28D4-864E-B71D-BAA5F84024AC}" type="presOf" srcId="{6B0CC448-5E9B-6449-8744-47B17661B77D}" destId="{AB050BB2-D65B-544A-A6B9-69FC966C3DCF}" srcOrd="0" destOrd="0" presId="urn:microsoft.com/office/officeart/2005/8/layout/funnel1"/>
     <dgm:cxn modelId="{795A35BB-B9B8-724E-94C3-66B8E7F8A730}" type="presParOf" srcId="{A04F8979-4A50-0748-A0FF-3EC0430C7BF0}" destId="{4F4C361A-219E-2A4D-96A1-C7179BBE7930}" srcOrd="0" destOrd="0" presId="urn:microsoft.com/office/officeart/2005/8/layout/funnel1"/>
     <dgm:cxn modelId="{3A0779D3-E7D7-2644-A729-A5F0136E673F}" type="presParOf" srcId="{A04F8979-4A50-0748-A0FF-3EC0430C7BF0}" destId="{69D845D0-61A1-2549-BE8E-7F357A89B6BD}" srcOrd="1" destOrd="0" presId="urn:microsoft.com/office/officeart/2005/8/layout/funnel1"/>
@@ -9141,6 +9714,13 @@
         </dgm:presLayoutVars>
       </dgm:prSet>
       <dgm:spPr/>
+      <dgm:t>
+        <a:bodyPr/>
+        <a:lstStyle/>
+        <a:p>
+          <a:endParaRPr lang="zh-CN" altLang="en-US"/>
+        </a:p>
+      </dgm:t>
     </dgm:pt>
     <dgm:pt modelId="{E0B2E606-DDC9-CE42-BB41-2316D24AECD9}" type="pres">
       <dgm:prSet presAssocID="{14CC8756-C889-1349-B907-9A5E3D1ED4C7}" presName="composite" presStyleCnt="0"/>
@@ -9155,6 +9735,13 @@
         </dgm:presLayoutVars>
       </dgm:prSet>
       <dgm:spPr/>
+      <dgm:t>
+        <a:bodyPr/>
+        <a:lstStyle/>
+        <a:p>
+          <a:endParaRPr lang="zh-CN" altLang="en-US"/>
+        </a:p>
+      </dgm:t>
     </dgm:pt>
     <dgm:pt modelId="{FE86A684-06FF-494A-ABEA-5B3F788434A1}" type="pres">
       <dgm:prSet presAssocID="{14CC8756-C889-1349-B907-9A5E3D1ED4C7}" presName="Childtext1" presStyleLbl="revTx" presStyleIdx="0" presStyleCnt="3">
@@ -9165,6 +9752,13 @@
         </dgm:presLayoutVars>
       </dgm:prSet>
       <dgm:spPr/>
+      <dgm:t>
+        <a:bodyPr/>
+        <a:lstStyle/>
+        <a:p>
+          <a:endParaRPr lang="zh-CN" altLang="en-US"/>
+        </a:p>
+      </dgm:t>
     </dgm:pt>
     <dgm:pt modelId="{D565E537-07F9-8143-8F0E-EB97BAC42926}" type="pres">
       <dgm:prSet presAssocID="{14CC8756-C889-1349-B907-9A5E3D1ED4C7}" presName="BalanceSpacing" presStyleCnt="0"/>
@@ -9177,6 +9771,13 @@
     <dgm:pt modelId="{5F6F1703-FB00-C14E-81F5-E0A13EDC8042}" type="pres">
       <dgm:prSet presAssocID="{770760BD-2930-FE4A-AE1D-6238A2AB9942}" presName="Accent1Text" presStyleLbl="node1" presStyleIdx="1" presStyleCnt="6"/>
       <dgm:spPr/>
+      <dgm:t>
+        <a:bodyPr/>
+        <a:lstStyle/>
+        <a:p>
+          <a:endParaRPr lang="zh-CN" altLang="en-US"/>
+        </a:p>
+      </dgm:t>
     </dgm:pt>
     <dgm:pt modelId="{F6D9BE1A-F8CD-2B49-AA6E-4C594CF2197B}" type="pres">
       <dgm:prSet presAssocID="{770760BD-2930-FE4A-AE1D-6238A2AB9942}" presName="spaceBetweenRectangles" presStyleCnt="0"/>
@@ -9195,6 +9796,13 @@
         </dgm:presLayoutVars>
       </dgm:prSet>
       <dgm:spPr/>
+      <dgm:t>
+        <a:bodyPr/>
+        <a:lstStyle/>
+        <a:p>
+          <a:endParaRPr lang="zh-CN" altLang="en-US"/>
+        </a:p>
+      </dgm:t>
     </dgm:pt>
     <dgm:pt modelId="{5E0A84FB-D101-8E42-A5ED-35AB6DDDAB73}" type="pres">
       <dgm:prSet presAssocID="{8CACAA6F-866A-144F-8FE4-9DDD17CD2E6A}" presName="Childtext1" presStyleLbl="revTx" presStyleIdx="1" presStyleCnt="3">
@@ -9205,6 +9813,13 @@
         </dgm:presLayoutVars>
       </dgm:prSet>
       <dgm:spPr/>
+      <dgm:t>
+        <a:bodyPr/>
+        <a:lstStyle/>
+        <a:p>
+          <a:endParaRPr lang="zh-CN" altLang="en-US"/>
+        </a:p>
+      </dgm:t>
     </dgm:pt>
     <dgm:pt modelId="{0DF6C4FC-C48D-3C42-A201-DB53F223E1F7}" type="pres">
       <dgm:prSet presAssocID="{8CACAA6F-866A-144F-8FE4-9DDD17CD2E6A}" presName="BalanceSpacing" presStyleCnt="0"/>
@@ -9217,6 +9832,13 @@
     <dgm:pt modelId="{F91873BA-B4B0-AC4F-B551-AA810733D024}" type="pres">
       <dgm:prSet presAssocID="{AF80E743-6866-4646-A637-FC18C8C70451}" presName="Accent1Text" presStyleLbl="node1" presStyleIdx="3" presStyleCnt="6"/>
       <dgm:spPr/>
+      <dgm:t>
+        <a:bodyPr/>
+        <a:lstStyle/>
+        <a:p>
+          <a:endParaRPr lang="zh-CN" altLang="en-US"/>
+        </a:p>
+      </dgm:t>
     </dgm:pt>
     <dgm:pt modelId="{F0EE3F86-5007-DB42-BBE3-D9B19716A6E7}" type="pres">
       <dgm:prSet presAssocID="{AF80E743-6866-4646-A637-FC18C8C70451}" presName="spaceBetweenRectangles" presStyleCnt="0"/>
@@ -9235,6 +9857,13 @@
         </dgm:presLayoutVars>
       </dgm:prSet>
       <dgm:spPr/>
+      <dgm:t>
+        <a:bodyPr/>
+        <a:lstStyle/>
+        <a:p>
+          <a:endParaRPr lang="zh-CN" altLang="en-US"/>
+        </a:p>
+      </dgm:t>
     </dgm:pt>
     <dgm:pt modelId="{877CCB68-F71F-3B47-BBCD-9D9CEFED2D88}" type="pres">
       <dgm:prSet presAssocID="{B31A7408-3176-7941-86B4-E10A7846E20C}" presName="Childtext1" presStyleLbl="revTx" presStyleIdx="2" presStyleCnt="3">
@@ -9245,6 +9874,13 @@
         </dgm:presLayoutVars>
       </dgm:prSet>
       <dgm:spPr/>
+      <dgm:t>
+        <a:bodyPr/>
+        <a:lstStyle/>
+        <a:p>
+          <a:endParaRPr lang="zh-CN" altLang="en-US"/>
+        </a:p>
+      </dgm:t>
     </dgm:pt>
     <dgm:pt modelId="{4BE66DD4-244B-3346-B4F0-26DA7E70505B}" type="pres">
       <dgm:prSet presAssocID="{B31A7408-3176-7941-86B4-E10A7846E20C}" presName="BalanceSpacing" presStyleCnt="0"/>
@@ -9257,6 +9893,13 @@
     <dgm:pt modelId="{7984DBC6-59CD-C346-903F-39D87D7AEAEB}" type="pres">
       <dgm:prSet presAssocID="{C8AA3E23-EDB7-1745-B1CC-D3FB1F72DE2E}" presName="Accent1Text" presStyleLbl="node1" presStyleIdx="5" presStyleCnt="6"/>
       <dgm:spPr/>
+      <dgm:t>
+        <a:bodyPr/>
+        <a:lstStyle/>
+        <a:p>
+          <a:endParaRPr lang="zh-CN" altLang="en-US"/>
+        </a:p>
+      </dgm:t>
     </dgm:pt>
   </dgm:ptLst>
   <dgm:cxnLst>
@@ -11744,14 +12387,14 @@
       </dsp:nvSpPr>
       <dsp:spPr>
         <a:xfrm>
-          <a:off x="2561166" y="1206500"/>
-          <a:ext cx="3005666" cy="3005666"/>
+          <a:off x="2505604" y="1344555"/>
+          <a:ext cx="3116791" cy="3116791"/>
         </a:xfrm>
         <a:prstGeom prst="ellipse">
           <a:avLst/>
         </a:prstGeom>
         <a:solidFill>
-          <a:schemeClr val="lt1">
+          <a:schemeClr val="accent2">
             <a:alpha val="50000"/>
             <a:hueOff val="0"/>
             <a:satOff val="0"/>
@@ -11761,8 +12404,7 @@
         </a:solidFill>
         <a:ln w="19050" cap="flat" cmpd="sng" algn="ctr">
           <a:solidFill>
-            <a:schemeClr val="accent2">
-              <a:shade val="80000"/>
+            <a:schemeClr val="lt1">
               <a:hueOff val="0"/>
               <a:satOff val="0"/>
               <a:lumOff val="0"/>
@@ -11789,12 +12431,12 @@
         </a:fontRef>
       </dsp:style>
       <dsp:txBody>
-        <a:bodyPr spcFirstLastPara="0" vert="horz" wrap="square" lIns="66040" tIns="66040" rIns="66040" bIns="66040" numCol="1" spcCol="1270" anchor="ctr" anchorCtr="0">
+        <a:bodyPr spcFirstLastPara="0" vert="horz" wrap="square" lIns="68580" tIns="68580" rIns="68580" bIns="68580" numCol="1" spcCol="1270" anchor="ctr" anchorCtr="0">
           <a:noAutofit/>
         </a:bodyPr>
         <a:lstStyle/>
         <a:p>
-          <a:pPr lvl="0" algn="ctr" defTabSz="2311400">
+          <a:pPr lvl="0" algn="ctr" defTabSz="2400300">
             <a:lnSpc>
               <a:spcPct val="90000"/>
             </a:lnSpc>
@@ -11806,14 +12448,20 @@
             </a:spcAft>
           </a:pPr>
           <a:r>
-            <a:rPr lang="zh-CN" altLang="en-US" sz="5200" kern="1200" dirty="0" smtClean="0">
+            <a:rPr lang="zh-CN" altLang="en-US" sz="5400" kern="1200" dirty="0" smtClean="0">
+              <a:solidFill>
+                <a:schemeClr val="bg1"/>
+              </a:solidFill>
               <a:latin typeface="Microsoft YaHei" charset="0"/>
               <a:ea typeface="Microsoft YaHei" charset="0"/>
               <a:cs typeface="Microsoft YaHei" charset="0"/>
             </a:rPr>
             <a:t>微服务网关</a:t>
           </a:r>
-          <a:endParaRPr lang="zh-CN" altLang="en-US" sz="5200" kern="1200" dirty="0">
+          <a:endParaRPr lang="zh-CN" altLang="en-US" sz="5400" kern="1200" dirty="0">
+            <a:solidFill>
+              <a:schemeClr val="bg1"/>
+            </a:solidFill>
             <a:latin typeface="Microsoft YaHei" charset="0"/>
             <a:ea typeface="Microsoft YaHei" charset="0"/>
             <a:cs typeface="Microsoft YaHei" charset="0"/>
@@ -11821,8 +12469,8 @@
         </a:p>
       </dsp:txBody>
       <dsp:txXfrm>
-        <a:off x="3001336" y="1646670"/>
-        <a:ext cx="2125326" cy="2125326"/>
+        <a:off x="2962047" y="1800998"/>
+        <a:ext cx="2203905" cy="2203905"/>
       </dsp:txXfrm>
     </dsp:sp>
     <dsp:sp modelId="{1E89B786-D91B-3D48-B9B1-C517FDAC398B}">
@@ -11832,14 +12480,14 @@
       </dsp:nvSpPr>
       <dsp:spPr>
         <a:xfrm>
-          <a:off x="3312583" y="536"/>
-          <a:ext cx="1502833" cy="1502833"/>
+          <a:off x="3284802" y="96160"/>
+          <a:ext cx="1558395" cy="1558395"/>
         </a:xfrm>
         <a:prstGeom prst="ellipse">
           <a:avLst/>
         </a:prstGeom>
         <a:solidFill>
-          <a:schemeClr val="lt1">
+          <a:schemeClr val="accent3">
             <a:alpha val="50000"/>
             <a:hueOff val="0"/>
             <a:satOff val="0"/>
@@ -11849,8 +12497,7 @@
         </a:solidFill>
         <a:ln w="19050" cap="flat" cmpd="sng" algn="ctr">
           <a:solidFill>
-            <a:schemeClr val="accent2">
-              <a:shade val="80000"/>
+            <a:schemeClr val="lt1">
               <a:hueOff val="0"/>
               <a:satOff val="0"/>
               <a:lumOff val="0"/>
@@ -11877,12 +12524,12 @@
         </a:fontRef>
       </dsp:style>
       <dsp:txBody>
-        <a:bodyPr spcFirstLastPara="0" vert="horz" wrap="square" lIns="48260" tIns="48260" rIns="48260" bIns="48260" numCol="1" spcCol="1270" anchor="ctr" anchorCtr="0">
+        <a:bodyPr spcFirstLastPara="0" vert="horz" wrap="square" lIns="49530" tIns="49530" rIns="49530" bIns="49530" numCol="1" spcCol="1270" anchor="ctr" anchorCtr="0">
           <a:noAutofit/>
         </a:bodyPr>
         <a:lstStyle/>
         <a:p>
-          <a:pPr lvl="0" algn="ctr" defTabSz="1689100">
+          <a:pPr lvl="0" algn="ctr" defTabSz="1733550">
             <a:lnSpc>
               <a:spcPct val="90000"/>
             </a:lnSpc>
@@ -11894,14 +12541,20 @@
             </a:spcAft>
           </a:pPr>
           <a:r>
-            <a:rPr lang="zh-CN" altLang="en-US" sz="3800" kern="1200" dirty="0" smtClean="0">
+            <a:rPr lang="zh-CN" altLang="en-US" sz="3900" kern="1200" dirty="0" smtClean="0">
+              <a:solidFill>
+                <a:schemeClr val="bg1"/>
+              </a:solidFill>
               <a:latin typeface="Microsoft YaHei" charset="0"/>
               <a:ea typeface="Microsoft YaHei" charset="0"/>
               <a:cs typeface="Microsoft YaHei" charset="0"/>
             </a:rPr>
             <a:t>鉴权</a:t>
           </a:r>
-          <a:endParaRPr lang="zh-CN" altLang="en-US" sz="3800" kern="1200" dirty="0">
+          <a:endParaRPr lang="zh-CN" altLang="en-US" sz="3900" kern="1200" dirty="0">
+            <a:solidFill>
+              <a:schemeClr val="bg1"/>
+            </a:solidFill>
             <a:latin typeface="Microsoft YaHei" charset="0"/>
             <a:ea typeface="Microsoft YaHei" charset="0"/>
             <a:cs typeface="Microsoft YaHei" charset="0"/>
@@ -11909,8 +12562,8 @@
         </a:p>
       </dsp:txBody>
       <dsp:txXfrm>
-        <a:off x="3532668" y="220621"/>
-        <a:ext cx="1062663" cy="1062663"/>
+        <a:off x="3513024" y="324382"/>
+        <a:ext cx="1101951" cy="1101951"/>
       </dsp:txXfrm>
     </dsp:sp>
     <dsp:sp modelId="{90A7B8BD-45D8-F74F-9B17-84B257BCD2FF}">
@@ -11920,14 +12573,14 @@
       </dsp:nvSpPr>
       <dsp:spPr>
         <a:xfrm>
-          <a:off x="5269963" y="1957916"/>
-          <a:ext cx="1502833" cy="1502833"/>
+          <a:off x="5213157" y="1497192"/>
+          <a:ext cx="1558395" cy="1558395"/>
         </a:xfrm>
         <a:prstGeom prst="ellipse">
           <a:avLst/>
         </a:prstGeom>
         <a:solidFill>
-          <a:schemeClr val="lt1">
+          <a:schemeClr val="accent4">
             <a:alpha val="50000"/>
             <a:hueOff val="0"/>
             <a:satOff val="0"/>
@@ -11937,8 +12590,7 @@
         </a:solidFill>
         <a:ln w="19050" cap="flat" cmpd="sng" algn="ctr">
           <a:solidFill>
-            <a:schemeClr val="accent2">
-              <a:shade val="80000"/>
+            <a:schemeClr val="lt1">
               <a:hueOff val="0"/>
               <a:satOff val="0"/>
               <a:lumOff val="0"/>
@@ -11965,12 +12617,12 @@
         </a:fontRef>
       </dsp:style>
       <dsp:txBody>
-        <a:bodyPr spcFirstLastPara="0" vert="horz" wrap="square" lIns="48260" tIns="48260" rIns="48260" bIns="48260" numCol="1" spcCol="1270" anchor="ctr" anchorCtr="0">
+        <a:bodyPr spcFirstLastPara="0" vert="horz" wrap="square" lIns="49530" tIns="49530" rIns="49530" bIns="49530" numCol="1" spcCol="1270" anchor="ctr" anchorCtr="0">
           <a:noAutofit/>
         </a:bodyPr>
         <a:lstStyle/>
         <a:p>
-          <a:pPr lvl="0" algn="ctr" defTabSz="1689100">
+          <a:pPr lvl="0" algn="ctr" defTabSz="1733550">
             <a:lnSpc>
               <a:spcPct val="90000"/>
             </a:lnSpc>
@@ -11982,14 +12634,20 @@
             </a:spcAft>
           </a:pPr>
           <a:r>
-            <a:rPr lang="zh-CN" altLang="en-US" sz="3800" kern="1200" dirty="0" smtClean="0">
+            <a:rPr lang="zh-CN" altLang="en-US" sz="3900" kern="1200" dirty="0" smtClean="0">
+              <a:solidFill>
+                <a:schemeClr val="bg1"/>
+              </a:solidFill>
               <a:latin typeface="Microsoft YaHei" charset="0"/>
               <a:ea typeface="Microsoft YaHei" charset="0"/>
               <a:cs typeface="Microsoft YaHei" charset="0"/>
             </a:rPr>
             <a:t>流控</a:t>
           </a:r>
-          <a:endParaRPr lang="zh-CN" altLang="en-US" sz="3800" kern="1200" dirty="0">
+          <a:endParaRPr lang="zh-CN" altLang="en-US" sz="3900" kern="1200" dirty="0">
+            <a:solidFill>
+              <a:schemeClr val="bg1"/>
+            </a:solidFill>
             <a:latin typeface="Microsoft YaHei" charset="0"/>
             <a:ea typeface="Microsoft YaHei" charset="0"/>
             <a:cs typeface="Microsoft YaHei" charset="0"/>
@@ -11997,8 +12655,8 @@
         </a:p>
       </dsp:txBody>
       <dsp:txXfrm>
-        <a:off x="5490048" y="2178001"/>
-        <a:ext cx="1062663" cy="1062663"/>
+        <a:off x="5441379" y="1725414"/>
+        <a:ext cx="1101951" cy="1101951"/>
       </dsp:txXfrm>
     </dsp:sp>
     <dsp:sp modelId="{EAF2E1EB-34EC-9346-9125-6F4C9FBEBBE5}">
@@ -12008,14 +12666,14 @@
       </dsp:nvSpPr>
       <dsp:spPr>
         <a:xfrm>
-          <a:off x="3312583" y="3915297"/>
-          <a:ext cx="1502833" cy="1502833"/>
+          <a:off x="4476591" y="3764110"/>
+          <a:ext cx="1558395" cy="1558395"/>
         </a:xfrm>
         <a:prstGeom prst="ellipse">
           <a:avLst/>
         </a:prstGeom>
         <a:solidFill>
-          <a:schemeClr val="lt1">
+          <a:schemeClr val="accent5">
             <a:alpha val="50000"/>
             <a:hueOff val="0"/>
             <a:satOff val="0"/>
@@ -12025,8 +12683,7 @@
         </a:solidFill>
         <a:ln w="19050" cap="flat" cmpd="sng" algn="ctr">
           <a:solidFill>
-            <a:schemeClr val="accent2">
-              <a:shade val="80000"/>
+            <a:schemeClr val="lt1">
               <a:hueOff val="0"/>
               <a:satOff val="0"/>
               <a:lumOff val="0"/>
@@ -12053,12 +12710,12 @@
         </a:fontRef>
       </dsp:style>
       <dsp:txBody>
-        <a:bodyPr spcFirstLastPara="0" vert="horz" wrap="square" lIns="48260" tIns="48260" rIns="48260" bIns="48260" numCol="1" spcCol="1270" anchor="ctr" anchorCtr="0">
+        <a:bodyPr spcFirstLastPara="0" vert="horz" wrap="square" lIns="49530" tIns="49530" rIns="49530" bIns="49530" numCol="1" spcCol="1270" anchor="ctr" anchorCtr="0">
           <a:noAutofit/>
         </a:bodyPr>
         <a:lstStyle/>
         <a:p>
-          <a:pPr lvl="0" algn="ctr" defTabSz="1689100">
+          <a:pPr lvl="0" algn="ctr" defTabSz="1733550">
             <a:lnSpc>
               <a:spcPct val="90000"/>
             </a:lnSpc>
@@ -12070,14 +12727,20 @@
             </a:spcAft>
           </a:pPr>
           <a:r>
-            <a:rPr lang="zh-CN" altLang="en-US" sz="3800" kern="1200" dirty="0" smtClean="0">
+            <a:rPr lang="zh-CN" altLang="en-US" sz="3900" kern="1200" dirty="0" smtClean="0">
+              <a:solidFill>
+                <a:schemeClr val="bg1"/>
+              </a:solidFill>
               <a:latin typeface="Microsoft YaHei" charset="0"/>
               <a:ea typeface="Microsoft YaHei" charset="0"/>
               <a:cs typeface="Microsoft YaHei" charset="0"/>
             </a:rPr>
             <a:t>路由</a:t>
           </a:r>
-          <a:endParaRPr lang="zh-CN" altLang="en-US" sz="3800" kern="1200" dirty="0">
+          <a:endParaRPr lang="zh-CN" altLang="en-US" sz="3900" kern="1200" dirty="0">
+            <a:solidFill>
+              <a:schemeClr val="bg1"/>
+            </a:solidFill>
             <a:latin typeface="Microsoft YaHei" charset="0"/>
             <a:ea typeface="Microsoft YaHei" charset="0"/>
             <a:cs typeface="Microsoft YaHei" charset="0"/>
@@ -12085,8 +12748,8 @@
         </a:p>
       </dsp:txBody>
       <dsp:txXfrm>
-        <a:off x="3532668" y="4135382"/>
-        <a:ext cx="1062663" cy="1062663"/>
+        <a:off x="4704813" y="3992332"/>
+        <a:ext cx="1101951" cy="1101951"/>
       </dsp:txXfrm>
     </dsp:sp>
     <dsp:sp modelId="{0AA1D26B-0600-D843-A437-587B4398092C}">
@@ -12096,14 +12759,14 @@
       </dsp:nvSpPr>
       <dsp:spPr>
         <a:xfrm>
-          <a:off x="1355202" y="1957916"/>
-          <a:ext cx="1502833" cy="1502833"/>
+          <a:off x="2093012" y="3764110"/>
+          <a:ext cx="1558395" cy="1558395"/>
         </a:xfrm>
         <a:prstGeom prst="ellipse">
           <a:avLst/>
         </a:prstGeom>
         <a:solidFill>
-          <a:schemeClr val="lt1">
+          <a:schemeClr val="accent6">
             <a:alpha val="50000"/>
             <a:hueOff val="0"/>
             <a:satOff val="0"/>
@@ -12113,8 +12776,7 @@
         </a:solidFill>
         <a:ln w="19050" cap="flat" cmpd="sng" algn="ctr">
           <a:solidFill>
-            <a:schemeClr val="accent2">
-              <a:shade val="80000"/>
+            <a:schemeClr val="lt1">
               <a:hueOff val="0"/>
               <a:satOff val="0"/>
               <a:lumOff val="0"/>
@@ -12141,12 +12803,12 @@
         </a:fontRef>
       </dsp:style>
       <dsp:txBody>
-        <a:bodyPr spcFirstLastPara="0" vert="horz" wrap="square" lIns="48260" tIns="48260" rIns="48260" bIns="48260" numCol="1" spcCol="1270" anchor="ctr" anchorCtr="0">
+        <a:bodyPr spcFirstLastPara="0" vert="horz" wrap="square" lIns="49530" tIns="49530" rIns="49530" bIns="49530" numCol="1" spcCol="1270" anchor="ctr" anchorCtr="0">
           <a:noAutofit/>
         </a:bodyPr>
         <a:lstStyle/>
         <a:p>
-          <a:pPr lvl="0" algn="ctr" defTabSz="1689100">
+          <a:pPr lvl="0" algn="ctr" defTabSz="1733550">
             <a:lnSpc>
               <a:spcPct val="90000"/>
             </a:lnSpc>
@@ -12158,14 +12820,20 @@
             </a:spcAft>
           </a:pPr>
           <a:r>
-            <a:rPr lang="zh-CN" altLang="en-US" sz="3800" kern="1200" dirty="0" smtClean="0">
+            <a:rPr lang="zh-CN" altLang="en-US" sz="3900" kern="1200" dirty="0" smtClean="0">
+              <a:solidFill>
+                <a:schemeClr val="bg1"/>
+              </a:solidFill>
               <a:latin typeface="Microsoft YaHei" charset="0"/>
               <a:ea typeface="Microsoft YaHei" charset="0"/>
               <a:cs typeface="Microsoft YaHei" charset="0"/>
             </a:rPr>
             <a:t>安全</a:t>
           </a:r>
-          <a:endParaRPr lang="zh-CN" altLang="en-US" sz="3800" kern="1200" dirty="0">
+          <a:endParaRPr lang="zh-CN" altLang="en-US" sz="3900" kern="1200" dirty="0">
+            <a:solidFill>
+              <a:schemeClr val="bg1"/>
+            </a:solidFill>
             <a:latin typeface="Microsoft YaHei" charset="0"/>
             <a:ea typeface="Microsoft YaHei" charset="0"/>
             <a:cs typeface="Microsoft YaHei" charset="0"/>
@@ -12173,8 +12841,101 @@
         </a:p>
       </dsp:txBody>
       <dsp:txXfrm>
-        <a:off x="1575287" y="2178001"/>
-        <a:ext cx="1062663" cy="1062663"/>
+        <a:off x="2321234" y="3992332"/>
+        <a:ext cx="1101951" cy="1101951"/>
+      </dsp:txXfrm>
+    </dsp:sp>
+    <dsp:sp modelId="{10071EF6-9CE2-8349-B01B-1FFCBA7ED3E8}">
+      <dsp:nvSpPr>
+        <dsp:cNvPr id="0" name=""/>
+        <dsp:cNvSpPr/>
+      </dsp:nvSpPr>
+      <dsp:spPr>
+        <a:xfrm>
+          <a:off x="1356446" y="1497192"/>
+          <a:ext cx="1558395" cy="1558395"/>
+        </a:xfrm>
+        <a:prstGeom prst="ellipse">
+          <a:avLst/>
+        </a:prstGeom>
+        <a:solidFill>
+          <a:schemeClr val="accent2">
+            <a:alpha val="50000"/>
+            <a:hueOff val="0"/>
+            <a:satOff val="0"/>
+            <a:lumOff val="0"/>
+            <a:alphaOff val="0"/>
+          </a:schemeClr>
+        </a:solidFill>
+        <a:ln w="19050" cap="flat" cmpd="sng" algn="ctr">
+          <a:solidFill>
+            <a:schemeClr val="lt1">
+              <a:hueOff val="0"/>
+              <a:satOff val="0"/>
+              <a:lumOff val="0"/>
+              <a:alphaOff val="0"/>
+            </a:schemeClr>
+          </a:solidFill>
+          <a:prstDash val="solid"/>
+          <a:miter lim="800000"/>
+        </a:ln>
+        <a:effectLst/>
+      </dsp:spPr>
+      <dsp:style>
+        <a:lnRef idx="3">
+          <a:scrgbClr r="0" g="0" b="0"/>
+        </a:lnRef>
+        <a:fillRef idx="1">
+          <a:scrgbClr r="0" g="0" b="0"/>
+        </a:fillRef>
+        <a:effectRef idx="0">
+          <a:scrgbClr r="0" g="0" b="0"/>
+        </a:effectRef>
+        <a:fontRef idx="minor">
+          <a:schemeClr val="tx1"/>
+        </a:fontRef>
+      </dsp:style>
+      <dsp:txBody>
+        <a:bodyPr spcFirstLastPara="0" vert="horz" wrap="square" lIns="49530" tIns="49530" rIns="49530" bIns="49530" numCol="1" spcCol="1270" anchor="ctr" anchorCtr="0">
+          <a:noAutofit/>
+        </a:bodyPr>
+        <a:lstStyle/>
+        <a:p>
+          <a:pPr lvl="0" algn="ctr" defTabSz="1733550">
+            <a:lnSpc>
+              <a:spcPct val="90000"/>
+            </a:lnSpc>
+            <a:spcBef>
+              <a:spcPct val="0"/>
+            </a:spcBef>
+            <a:spcAft>
+              <a:spcPct val="35000"/>
+            </a:spcAft>
+          </a:pPr>
+          <a:r>
+            <a:rPr lang="zh-CN" altLang="en-US" sz="3900" kern="1200" dirty="0" smtClean="0">
+              <a:solidFill>
+                <a:schemeClr val="bg1"/>
+              </a:solidFill>
+              <a:latin typeface="Microsoft YaHei" charset="0"/>
+              <a:ea typeface="Microsoft YaHei" charset="0"/>
+              <a:cs typeface="Microsoft YaHei" charset="0"/>
+            </a:rPr>
+            <a:t>过滤</a:t>
+          </a:r>
+          <a:endParaRPr lang="zh-CN" altLang="en-US" sz="3900" kern="1200" dirty="0">
+            <a:solidFill>
+              <a:schemeClr val="bg1"/>
+            </a:solidFill>
+            <a:latin typeface="Microsoft YaHei" charset="0"/>
+            <a:ea typeface="Microsoft YaHei" charset="0"/>
+            <a:cs typeface="Microsoft YaHei" charset="0"/>
+          </a:endParaRPr>
+        </a:p>
+      </dsp:txBody>
+      <dsp:txXfrm>
+        <a:off x="1584668" y="1725414"/>
+        <a:ext cx="1101951" cy="1101951"/>
       </dsp:txXfrm>
     </dsp:sp>
   </dsp:spTree>
@@ -26002,7 +26763,7 @@
           <a:p>
             <a:fld id="{F8AEB6F6-BC3A-1041-89E1-61DE136F51BA}" type="datetimeFigureOut">
               <a:rPr kumimoji="1" lang="zh-CN" altLang="en-US" smtClean="0"/>
-              <a:t>2016/11/6</a:t>
+              <a:t>2016/11/9</a:t>
             </a:fld>
             <a:endParaRPr kumimoji="1" lang="zh-CN" altLang="en-US"/>
           </a:p>
@@ -26485,7 +27246,7 @@
           <a:p>
             <a:fld id="{A7055BCE-1523-0846-ADBE-CBB220F4A2C4}" type="datetimeFigureOut">
               <a:rPr kumimoji="1" lang="zh-CN" altLang="en-US" smtClean="0"/>
-              <a:t>2016/11/6</a:t>
+              <a:t>2016/11/9</a:t>
             </a:fld>
             <a:endParaRPr kumimoji="1" lang="zh-CN" altLang="en-US"/>
           </a:p>
@@ -26655,7 +27416,7 @@
           <a:p>
             <a:fld id="{A7055BCE-1523-0846-ADBE-CBB220F4A2C4}" type="datetimeFigureOut">
               <a:rPr kumimoji="1" lang="zh-CN" altLang="en-US" smtClean="0"/>
-              <a:t>2016/11/6</a:t>
+              <a:t>2016/11/9</a:t>
             </a:fld>
             <a:endParaRPr kumimoji="1" lang="zh-CN" altLang="en-US"/>
           </a:p>
@@ -26835,7 +27596,7 @@
           <a:p>
             <a:fld id="{A7055BCE-1523-0846-ADBE-CBB220F4A2C4}" type="datetimeFigureOut">
               <a:rPr kumimoji="1" lang="zh-CN" altLang="en-US" smtClean="0"/>
-              <a:t>2016/11/6</a:t>
+              <a:t>2016/11/9</a:t>
             </a:fld>
             <a:endParaRPr kumimoji="1" lang="zh-CN" altLang="en-US"/>
           </a:p>
@@ -27005,7 +27766,7 @@
           <a:p>
             <a:fld id="{A7055BCE-1523-0846-ADBE-CBB220F4A2C4}" type="datetimeFigureOut">
               <a:rPr kumimoji="1" lang="zh-CN" altLang="en-US" smtClean="0"/>
-              <a:t>2016/11/6</a:t>
+              <a:t>2016/11/9</a:t>
             </a:fld>
             <a:endParaRPr kumimoji="1" lang="zh-CN" altLang="en-US"/>
           </a:p>
@@ -27251,7 +28012,7 @@
           <a:p>
             <a:fld id="{A7055BCE-1523-0846-ADBE-CBB220F4A2C4}" type="datetimeFigureOut">
               <a:rPr kumimoji="1" lang="zh-CN" altLang="en-US" smtClean="0"/>
-              <a:t>2016/11/6</a:t>
+              <a:t>2016/11/9</a:t>
             </a:fld>
             <a:endParaRPr kumimoji="1" lang="zh-CN" altLang="en-US"/>
           </a:p>
@@ -27483,7 +28244,7 @@
           <a:p>
             <a:fld id="{A7055BCE-1523-0846-ADBE-CBB220F4A2C4}" type="datetimeFigureOut">
               <a:rPr kumimoji="1" lang="zh-CN" altLang="en-US" smtClean="0"/>
-              <a:t>2016/11/6</a:t>
+              <a:t>2016/11/9</a:t>
             </a:fld>
             <a:endParaRPr kumimoji="1" lang="zh-CN" altLang="en-US"/>
           </a:p>
@@ -27850,7 +28611,7 @@
           <a:p>
             <a:fld id="{A7055BCE-1523-0846-ADBE-CBB220F4A2C4}" type="datetimeFigureOut">
               <a:rPr kumimoji="1" lang="zh-CN" altLang="en-US" smtClean="0"/>
-              <a:t>2016/11/6</a:t>
+              <a:t>2016/11/9</a:t>
             </a:fld>
             <a:endParaRPr kumimoji="1" lang="zh-CN" altLang="en-US"/>
           </a:p>
@@ -27968,7 +28729,7 @@
           <a:p>
             <a:fld id="{A7055BCE-1523-0846-ADBE-CBB220F4A2C4}" type="datetimeFigureOut">
               <a:rPr kumimoji="1" lang="zh-CN" altLang="en-US" smtClean="0"/>
-              <a:t>2016/11/6</a:t>
+              <a:t>2016/11/9</a:t>
             </a:fld>
             <a:endParaRPr kumimoji="1" lang="zh-CN" altLang="en-US"/>
           </a:p>
@@ -28063,7 +28824,7 @@
           <a:p>
             <a:fld id="{A7055BCE-1523-0846-ADBE-CBB220F4A2C4}" type="datetimeFigureOut">
               <a:rPr kumimoji="1" lang="zh-CN" altLang="en-US" smtClean="0"/>
-              <a:t>2016/11/6</a:t>
+              <a:t>2016/11/9</a:t>
             </a:fld>
             <a:endParaRPr kumimoji="1" lang="zh-CN" altLang="en-US"/>
           </a:p>
@@ -28340,7 +29101,7 @@
           <a:p>
             <a:fld id="{A7055BCE-1523-0846-ADBE-CBB220F4A2C4}" type="datetimeFigureOut">
               <a:rPr kumimoji="1" lang="zh-CN" altLang="en-US" smtClean="0"/>
-              <a:t>2016/11/6</a:t>
+              <a:t>2016/11/9</a:t>
             </a:fld>
             <a:endParaRPr kumimoji="1" lang="zh-CN" altLang="en-US"/>
           </a:p>
@@ -28593,7 +29354,7 @@
           <a:p>
             <a:fld id="{A7055BCE-1523-0846-ADBE-CBB220F4A2C4}" type="datetimeFigureOut">
               <a:rPr kumimoji="1" lang="zh-CN" altLang="en-US" smtClean="0"/>
-              <a:t>2016/11/6</a:t>
+              <a:t>2016/11/9</a:t>
             </a:fld>
             <a:endParaRPr kumimoji="1" lang="zh-CN" altLang="en-US"/>
           </a:p>
@@ -28806,7 +29567,7 @@
           <a:p>
             <a:fld id="{A7055BCE-1523-0846-ADBE-CBB220F4A2C4}" type="datetimeFigureOut">
               <a:rPr kumimoji="1" lang="zh-CN" altLang="en-US" smtClean="0"/>
-              <a:t>2016/11/6</a:t>
+              <a:t>2016/11/9</a:t>
             </a:fld>
             <a:endParaRPr kumimoji="1" lang="zh-CN" altLang="en-US"/>
           </a:p>
@@ -29625,7 +30386,7 @@
           <p:nvPr>
             <p:extLst>
               <p:ext uri="{D42A27DB-BD31-4B8C-83A1-F6EECF244321}">
-                <p14:modId xmlns:p14="http://schemas.microsoft.com/office/powerpoint/2010/main" val="1595468915"/>
+                <p14:modId xmlns:p14="http://schemas.microsoft.com/office/powerpoint/2010/main" val="1972340176"/>
               </p:ext>
             </p:extLst>
           </p:nvPr>
